--- a/MCR2_General_Information_Prerequisites.pptx
+++ b/MCR2_General_Information_Prerequisites.pptx
@@ -8,13 +8,12 @@
     <p:sldId id="256" r:id="rId2"/>
     <p:sldId id="258" r:id="rId3"/>
     <p:sldId id="257" r:id="rId4"/>
-    <p:sldId id="259" r:id="rId5"/>
-    <p:sldId id="260" r:id="rId6"/>
-    <p:sldId id="261" r:id="rId7"/>
+    <p:sldId id="261" r:id="rId5"/>
+    <p:sldId id="259" r:id="rId6"/>
+    <p:sldId id="260" r:id="rId7"/>
     <p:sldId id="262" r:id="rId8"/>
     <p:sldId id="263" r:id="rId9"/>
     <p:sldId id="265" r:id="rId10"/>
-    <p:sldId id="264" r:id="rId11"/>
   </p:sldIdLst>
   <p:sldSz cx="12192000" cy="6858000"/>
   <p:notesSz cx="6858000" cy="9144000"/>
@@ -351,7 +350,7 @@
           <a:p>
             <a:fld id="{28E8D346-A915-4882-A510-80C55F2B0290}" type="datetimeFigureOut">
               <a:rPr lang="en-GB" smtClean="0"/>
-              <a:t>04/02/2023</a:t>
+              <a:t>05/02/2023</a:t>
             </a:fld>
             <a:endParaRPr lang="en-GB"/>
           </a:p>
@@ -3364,7 +3363,7 @@
           <a:p>
             <a:fld id="{28E8D346-A915-4882-A510-80C55F2B0290}" type="datetimeFigureOut">
               <a:rPr lang="en-GB" smtClean="0"/>
-              <a:t>04/02/2023</a:t>
+              <a:t>05/02/2023</a:t>
             </a:fld>
             <a:endParaRPr lang="en-GB"/>
           </a:p>
@@ -3845,7 +3844,7 @@
           <a:p>
             <a:fld id="{28E8D346-A915-4882-A510-80C55F2B0290}" type="datetimeFigureOut">
               <a:rPr lang="en-GB" smtClean="0"/>
-              <a:t>04/02/2023</a:t>
+              <a:t>05/02/2023</a:t>
             </a:fld>
             <a:endParaRPr lang="en-GB"/>
           </a:p>
@@ -4168,7 +4167,7 @@
           <a:p>
             <a:fld id="{28E8D346-A915-4882-A510-80C55F2B0290}" type="datetimeFigureOut">
               <a:rPr lang="en-GB" smtClean="0"/>
-              <a:t>04/02/2023</a:t>
+              <a:t>05/02/2023</a:t>
             </a:fld>
             <a:endParaRPr lang="en-GB"/>
           </a:p>
@@ -4661,7 +4660,7 @@
           <a:p>
             <a:fld id="{28E8D346-A915-4882-A510-80C55F2B0290}" type="datetimeFigureOut">
               <a:rPr lang="en-GB" smtClean="0"/>
-              <a:t>04/02/2023</a:t>
+              <a:t>05/02/2023</a:t>
             </a:fld>
             <a:endParaRPr lang="en-GB"/>
           </a:p>
@@ -5180,7 +5179,7 @@
           <a:p>
             <a:fld id="{28E8D346-A915-4882-A510-80C55F2B0290}" type="datetimeFigureOut">
               <a:rPr lang="en-GB" smtClean="0"/>
-              <a:t>04/02/2023</a:t>
+              <a:t>05/02/2023</a:t>
             </a:fld>
             <a:endParaRPr lang="en-GB"/>
           </a:p>
@@ -5675,7 +5674,7 @@
           <a:p>
             <a:fld id="{28E8D346-A915-4882-A510-80C55F2B0290}" type="datetimeFigureOut">
               <a:rPr lang="en-GB" smtClean="0"/>
-              <a:t>04/02/2023</a:t>
+              <a:t>05/02/2023</a:t>
             </a:fld>
             <a:endParaRPr lang="en-GB"/>
           </a:p>
@@ -6282,7 +6281,7 @@
           <a:p>
             <a:fld id="{28E8D346-A915-4882-A510-80C55F2B0290}" type="datetimeFigureOut">
               <a:rPr lang="en-GB" smtClean="0"/>
-              <a:t>04/02/2023</a:t>
+              <a:t>05/02/2023</a:t>
             </a:fld>
             <a:endParaRPr lang="en-GB"/>
           </a:p>
@@ -6777,7 +6776,7 @@
           <a:p>
             <a:fld id="{28E8D346-A915-4882-A510-80C55F2B0290}" type="datetimeFigureOut">
               <a:rPr lang="en-GB" smtClean="0"/>
-              <a:t>04/02/2023</a:t>
+              <a:t>05/02/2023</a:t>
             </a:fld>
             <a:endParaRPr lang="en-GB"/>
           </a:p>
@@ -7540,7 +7539,7 @@
           <a:p>
             <a:fld id="{28E8D346-A915-4882-A510-80C55F2B0290}" type="datetimeFigureOut">
               <a:rPr lang="en-GB" smtClean="0"/>
-              <a:t>04/02/2023</a:t>
+              <a:t>05/02/2023</a:t>
             </a:fld>
             <a:endParaRPr lang="en-GB"/>
           </a:p>
@@ -8191,7 +8190,7 @@
           <a:p>
             <a:fld id="{28E8D346-A915-4882-A510-80C55F2B0290}" type="datetimeFigureOut">
               <a:rPr lang="en-GB" smtClean="0"/>
-              <a:t>04/02/2023</a:t>
+              <a:t>05/02/2023</a:t>
             </a:fld>
             <a:endParaRPr lang="en-GB"/>
           </a:p>
@@ -8570,7 +8569,7 @@
           <a:p>
             <a:fld id="{28E8D346-A915-4882-A510-80C55F2B0290}" type="datetimeFigureOut">
               <a:rPr lang="en-GB" smtClean="0"/>
-              <a:t>04/02/2023</a:t>
+              <a:t>05/02/2023</a:t>
             </a:fld>
             <a:endParaRPr lang="en-GB"/>
           </a:p>
@@ -8837,7 +8836,7 @@
           <a:p>
             <a:fld id="{28E8D346-A915-4882-A510-80C55F2B0290}" type="datetimeFigureOut">
               <a:rPr lang="en-GB" smtClean="0"/>
-              <a:t>04/02/2023</a:t>
+              <a:t>05/02/2023</a:t>
             </a:fld>
             <a:endParaRPr lang="en-GB"/>
           </a:p>
@@ -9410,7 +9409,7 @@
           <a:p>
             <a:fld id="{28E8D346-A915-4882-A510-80C55F2B0290}" type="datetimeFigureOut">
               <a:rPr lang="en-GB" smtClean="0"/>
-              <a:t>04/02/2023</a:t>
+              <a:t>05/02/2023</a:t>
             </a:fld>
             <a:endParaRPr lang="en-GB"/>
           </a:p>
@@ -9654,7 +9653,7 @@
           <a:p>
             <a:fld id="{28E8D346-A915-4882-A510-80C55F2B0290}" type="datetimeFigureOut">
               <a:rPr lang="en-GB" smtClean="0"/>
-              <a:t>04/02/2023</a:t>
+              <a:t>05/02/2023</a:t>
             </a:fld>
             <a:endParaRPr lang="en-GB"/>
           </a:p>
@@ -9840,7 +9839,7 @@
           <a:p>
             <a:fld id="{28E8D346-A915-4882-A510-80C55F2B0290}" type="datetimeFigureOut">
               <a:rPr lang="en-GB" smtClean="0"/>
-              <a:t>04/02/2023</a:t>
+              <a:t>05/02/2023</a:t>
             </a:fld>
             <a:endParaRPr lang="en-GB"/>
           </a:p>
@@ -10138,7 +10137,7 @@
           <a:p>
             <a:fld id="{28E8D346-A915-4882-A510-80C55F2B0290}" type="datetimeFigureOut">
               <a:rPr lang="en-GB" smtClean="0"/>
-              <a:t>04/02/2023</a:t>
+              <a:t>05/02/2023</a:t>
             </a:fld>
             <a:endParaRPr lang="en-GB"/>
           </a:p>
@@ -10573,7 +10572,7 @@
           <a:p>
             <a:fld id="{28E8D346-A915-4882-A510-80C55F2B0290}" type="datetimeFigureOut">
               <a:rPr lang="en-GB" smtClean="0"/>
-              <a:t>04/02/2023</a:t>
+              <a:t>05/02/2023</a:t>
             </a:fld>
             <a:endParaRPr lang="en-GB"/>
           </a:p>
@@ -11046,7 +11045,7 @@
           <a:p>
             <a:fld id="{28E8D346-A915-4882-A510-80C55F2B0290}" type="datetimeFigureOut">
               <a:rPr lang="en-GB" smtClean="0"/>
-              <a:t>04/02/2023</a:t>
+              <a:t>05/02/2023</a:t>
             </a:fld>
             <a:endParaRPr lang="en-GB"/>
           </a:p>
@@ -11499,7 +11498,7 @@
           <a:p>
             <a:fld id="{28E8D346-A915-4882-A510-80C55F2B0290}" type="datetimeFigureOut">
               <a:rPr lang="en-GB" smtClean="0"/>
-              <a:t>04/02/2023</a:t>
+              <a:t>05/02/2023</a:t>
             </a:fld>
             <a:endParaRPr lang="en-GB"/>
           </a:p>
@@ -11723,7 +11722,7 @@
           <a:p>
             <a:fld id="{28E8D346-A915-4882-A510-80C55F2B0290}" type="datetimeFigureOut">
               <a:rPr lang="en-GB" smtClean="0"/>
-              <a:t>04/02/2023</a:t>
+              <a:t>05/02/2023</a:t>
             </a:fld>
             <a:endParaRPr lang="en-GB"/>
           </a:p>
@@ -11949,7 +11948,7 @@
           <a:p>
             <a:fld id="{28E8D346-A915-4882-A510-80C55F2B0290}" type="datetimeFigureOut">
               <a:rPr lang="en-GB" smtClean="0"/>
-              <a:t>04/02/2023</a:t>
+              <a:t>05/02/2023</a:t>
             </a:fld>
             <a:endParaRPr lang="en-GB"/>
           </a:p>
@@ -12175,7 +12174,7 @@
           <a:p>
             <a:fld id="{28E8D346-A915-4882-A510-80C55F2B0290}" type="datetimeFigureOut">
               <a:rPr lang="en-GB" smtClean="0"/>
-              <a:t>04/02/2023</a:t>
+              <a:t>05/02/2023</a:t>
             </a:fld>
             <a:endParaRPr lang="en-GB"/>
           </a:p>
@@ -12323,7 +12322,7 @@
           <a:p>
             <a:fld id="{28E8D346-A915-4882-A510-80C55F2B0290}" type="datetimeFigureOut">
               <a:rPr lang="en-GB" smtClean="0"/>
-              <a:t>04/02/2023</a:t>
+              <a:t>05/02/2023</a:t>
             </a:fld>
             <a:endParaRPr lang="en-GB"/>
           </a:p>
@@ -12717,7 +12716,7 @@
           <a:p>
             <a:fld id="{28E8D346-A915-4882-A510-80C55F2B0290}" type="datetimeFigureOut">
               <a:rPr lang="en-GB" smtClean="0"/>
-              <a:t>04/02/2023</a:t>
+              <a:t>05/02/2023</a:t>
             </a:fld>
             <a:endParaRPr lang="en-GB"/>
           </a:p>
@@ -13274,7 +13273,7 @@
           <a:p>
             <a:fld id="{28E8D346-A915-4882-A510-80C55F2B0290}" type="datetimeFigureOut">
               <a:rPr lang="en-GB" smtClean="0"/>
-              <a:t>04/02/2023</a:t>
+              <a:t>05/02/2023</a:t>
             </a:fld>
             <a:endParaRPr lang="en-GB"/>
           </a:p>
@@ -13780,7 +13779,7 @@
           <a:p>
             <a:fld id="{28E8D346-A915-4882-A510-80C55F2B0290}" type="datetimeFigureOut">
               <a:rPr lang="en-GB" smtClean="0"/>
-              <a:t>04/02/2023</a:t>
+              <a:t>05/02/2023</a:t>
             </a:fld>
             <a:endParaRPr lang="en-GB"/>
           </a:p>
@@ -14178,7 +14177,7 @@
           <a:p>
             <a:fld id="{28E8D346-A915-4882-A510-80C55F2B0290}" type="datetimeFigureOut">
               <a:rPr lang="en-GB" smtClean="0"/>
-              <a:t>04/02/2023</a:t>
+              <a:t>05/02/2023</a:t>
             </a:fld>
             <a:endParaRPr lang="en-GB"/>
           </a:p>
@@ -15046,7 +15045,7 @@
           <a:p>
             <a:fld id="{9D27316D-C409-4712-90E5-1C58F0743890}" type="datetimeFigureOut">
               <a:rPr lang="en-GB" smtClean="0"/>
-              <a:t>04/02/2023</a:t>
+              <a:t>05/02/2023</a:t>
             </a:fld>
             <a:endParaRPr lang="en-GB"/>
           </a:p>
@@ -15514,7 +15513,7 @@
           <a:p>
             <a:r>
               <a:rPr lang="en-GB" dirty="0"/>
-              <a:t>ROS Workshop</a:t>
+              <a:t>TE3001B: Robotics Foundation</a:t>
             </a:r>
           </a:p>
         </p:txBody>
@@ -15551,464 +15550,6 @@
     <p:extLst>
       <p:ext uri="{BB962C8B-B14F-4D97-AF65-F5344CB8AC3E}">
         <p14:creationId xmlns:p14="http://schemas.microsoft.com/office/powerpoint/2010/main" val="2581017771"/>
-      </p:ext>
-    </p:extLst>
-  </p:cSld>
-  <p:clrMapOvr>
-    <a:masterClrMapping/>
-  </p:clrMapOvr>
-</p:sld>
-</file>
-
-<file path=ppt/slides/slide10.xml><?xml version="1.0" encoding="utf-8"?>
-<p:sld xmlns:a="http://schemas.openxmlformats.org/drawingml/2006/main" xmlns:r="http://schemas.openxmlformats.org/officeDocument/2006/relationships" xmlns:p="http://schemas.openxmlformats.org/presentationml/2006/main">
-  <p:cSld>
-    <p:spTree>
-      <p:nvGrpSpPr>
-        <p:cNvPr id="1" name=""/>
-        <p:cNvGrpSpPr/>
-        <p:nvPr/>
-      </p:nvGrpSpPr>
-      <p:grpSpPr>
-        <a:xfrm>
-          <a:off x="0" y="0"/>
-          <a:ext cx="0" cy="0"/>
-          <a:chOff x="0" y="0"/>
-          <a:chExt cx="0" cy="0"/>
-        </a:xfrm>
-      </p:grpSpPr>
-      <p:sp>
-        <p:nvSpPr>
-          <p:cNvPr id="2" name="Content Placeholder 1">
-            <a:extLst>
-              <a:ext uri="{FF2B5EF4-FFF2-40B4-BE49-F238E27FC236}">
-                <a16:creationId xmlns:a16="http://schemas.microsoft.com/office/drawing/2014/main" id="{9BF2799B-EB68-6919-2235-11E5FDFF0DD4}"/>
-              </a:ext>
-            </a:extLst>
-          </p:cNvPr>
-          <p:cNvSpPr>
-            <a:spLocks noGrp="1"/>
-          </p:cNvSpPr>
-          <p:nvPr>
-            <p:ph sz="half" idx="1"/>
-          </p:nvPr>
-        </p:nvSpPr>
-        <p:spPr>
-          <a:xfrm>
-            <a:off x="255578" y="1446302"/>
-            <a:ext cx="5764222" cy="5369101"/>
-          </a:xfrm>
-        </p:spPr>
-        <p:txBody>
-          <a:bodyPr>
-            <a:normAutofit/>
-          </a:bodyPr>
-          <a:lstStyle/>
-          <a:p>
-            <a:pPr marL="0" indent="0">
-              <a:lnSpc>
-                <a:spcPct val="70000"/>
-              </a:lnSpc>
-              <a:buNone/>
-            </a:pPr>
-            <a:r>
-              <a:rPr lang="en-US" sz="2000" dirty="0">
-                <a:latin typeface="Nexa-Bold" panose="01000000000000000000" pitchFamily="2" charset="0"/>
-              </a:rPr>
-              <a:t>Requirements</a:t>
-            </a:r>
-          </a:p>
-          <a:p>
-            <a:pPr marL="342900" lvl="0" indent="-342900">
-              <a:lnSpc>
-                <a:spcPct val="160000"/>
-              </a:lnSpc>
-              <a:buFont typeface="Symbol" panose="05050102010706020507" pitchFamily="18" charset="2"/>
-              <a:buChar char=""/>
-            </a:pPr>
-            <a:r>
-              <a:rPr lang="en-GB" sz="1400" dirty="0">
-                <a:effectLst/>
-                <a:latin typeface="Nexa Light" panose="02000000000000000000" pitchFamily="50" charset="0"/>
-                <a:ea typeface="Calibri" panose="020F0502020204030204" pitchFamily="34" charset="0"/>
-                <a:cs typeface="Times New Roman" panose="02020603050405020304" pitchFamily="18" charset="0"/>
-              </a:rPr>
-              <a:t>Jetson Nano </a:t>
-            </a:r>
-            <a:endParaRPr lang="en-US" sz="1400" dirty="0">
-              <a:effectLst/>
-              <a:latin typeface="Nexa Light" panose="02000000000000000000" pitchFamily="50" charset="0"/>
-              <a:ea typeface="Calibri" panose="020F0502020204030204" pitchFamily="34" charset="0"/>
-              <a:cs typeface="Times New Roman" panose="02020603050405020304" pitchFamily="18" charset="0"/>
-            </a:endParaRPr>
-          </a:p>
-          <a:p>
-            <a:pPr marL="342900" lvl="0" indent="-342900">
-              <a:lnSpc>
-                <a:spcPct val="160000"/>
-              </a:lnSpc>
-              <a:buFont typeface="Symbol" panose="05050102010706020507" pitchFamily="18" charset="2"/>
-              <a:buChar char=""/>
-            </a:pPr>
-            <a:r>
-              <a:rPr lang="en-GB" sz="1400" dirty="0">
-                <a:effectLst/>
-                <a:latin typeface="Nexa Light" panose="02000000000000000000" pitchFamily="50" charset="0"/>
-                <a:ea typeface="Calibri" panose="020F0502020204030204" pitchFamily="34" charset="0"/>
-                <a:cs typeface="Times New Roman" panose="02020603050405020304" pitchFamily="18" charset="0"/>
-              </a:rPr>
-              <a:t>Google drive account </a:t>
-            </a:r>
-            <a:endParaRPr lang="en-US" sz="1400" dirty="0">
-              <a:effectLst/>
-              <a:latin typeface="Nexa Light" panose="02000000000000000000" pitchFamily="50" charset="0"/>
-              <a:ea typeface="Calibri" panose="020F0502020204030204" pitchFamily="34" charset="0"/>
-              <a:cs typeface="Times New Roman" panose="02020603050405020304" pitchFamily="18" charset="0"/>
-            </a:endParaRPr>
-          </a:p>
-          <a:p>
-            <a:pPr marL="342900" lvl="0" indent="-342900">
-              <a:lnSpc>
-                <a:spcPct val="160000"/>
-              </a:lnSpc>
-              <a:buFont typeface="Symbol" panose="05050102010706020507" pitchFamily="18" charset="2"/>
-              <a:buChar char=""/>
-            </a:pPr>
-            <a:r>
-              <a:rPr lang="en-GB" sz="1400" dirty="0">
-                <a:effectLst/>
-                <a:latin typeface="Nexa Light" panose="02000000000000000000" pitchFamily="50" charset="0"/>
-                <a:ea typeface="Calibri" panose="020F0502020204030204" pitchFamily="34" charset="0"/>
-                <a:cs typeface="Times New Roman" panose="02020603050405020304" pitchFamily="18" charset="0"/>
-              </a:rPr>
-              <a:t>Build from source the jetson inference project using python 3: </a:t>
-            </a:r>
-            <a:r>
-              <a:rPr lang="en-GB" sz="1400" u="sng" dirty="0">
-                <a:solidFill>
-                  <a:srgbClr val="0563C1"/>
-                </a:solidFill>
-                <a:effectLst/>
-                <a:latin typeface="Nexa Light" panose="02000000000000000000" pitchFamily="50" charset="0"/>
-                <a:ea typeface="Calibri" panose="020F0502020204030204" pitchFamily="34" charset="0"/>
-                <a:cs typeface="Times New Roman" panose="02020603050405020304" pitchFamily="18" charset="0"/>
-                <a:hlinkClick r:id="rId2"/>
-              </a:rPr>
-              <a:t>https://github.com/dusty-nv/jetson-inference/blob/master/docs/building-repo-2.md</a:t>
-            </a:r>
-            <a:r>
-              <a:rPr lang="en-GB" sz="1400" dirty="0">
-                <a:effectLst/>
-                <a:latin typeface="Nexa Light" panose="02000000000000000000" pitchFamily="50" charset="0"/>
-                <a:ea typeface="Calibri" panose="020F0502020204030204" pitchFamily="34" charset="0"/>
-                <a:cs typeface="Times New Roman" panose="02020603050405020304" pitchFamily="18" charset="0"/>
-              </a:rPr>
-              <a:t> </a:t>
-            </a:r>
-            <a:endParaRPr lang="en-US" sz="1400" dirty="0">
-              <a:effectLst/>
-              <a:latin typeface="Nexa Light" panose="02000000000000000000" pitchFamily="50" charset="0"/>
-              <a:ea typeface="Calibri" panose="020F0502020204030204" pitchFamily="34" charset="0"/>
-              <a:cs typeface="Times New Roman" panose="02020603050405020304" pitchFamily="18" charset="0"/>
-            </a:endParaRPr>
-          </a:p>
-          <a:p>
-            <a:pPr marL="342900" lvl="0" indent="-342900">
-              <a:lnSpc>
-                <a:spcPct val="160000"/>
-              </a:lnSpc>
-              <a:buFont typeface="Symbol" panose="05050102010706020507" pitchFamily="18" charset="2"/>
-              <a:buChar char=""/>
-            </a:pPr>
-            <a:r>
-              <a:rPr lang="en-GB" sz="1400" dirty="0">
-                <a:effectLst/>
-                <a:latin typeface="Nexa Light" panose="02000000000000000000" pitchFamily="50" charset="0"/>
-                <a:ea typeface="Calibri" panose="020F0502020204030204" pitchFamily="34" charset="0"/>
-                <a:cs typeface="Times New Roman" panose="02020603050405020304" pitchFamily="18" charset="0"/>
-              </a:rPr>
-              <a:t>Install </a:t>
-            </a:r>
-            <a:r>
-              <a:rPr lang="en-GB" sz="1400" dirty="0" err="1">
-                <a:effectLst/>
-                <a:latin typeface="Nexa Light" panose="02000000000000000000" pitchFamily="50" charset="0"/>
-                <a:ea typeface="Calibri" panose="020F0502020204030204" pitchFamily="34" charset="0"/>
-                <a:cs typeface="Times New Roman" panose="02020603050405020304" pitchFamily="18" charset="0"/>
-              </a:rPr>
-              <a:t>Tensorflow</a:t>
-            </a:r>
-            <a:r>
-              <a:rPr lang="en-GB" sz="1400" dirty="0">
-                <a:effectLst/>
-                <a:latin typeface="Nexa Light" panose="02000000000000000000" pitchFamily="50" charset="0"/>
-                <a:ea typeface="Calibri" panose="020F0502020204030204" pitchFamily="34" charset="0"/>
-                <a:cs typeface="Times New Roman" panose="02020603050405020304" pitchFamily="18" charset="0"/>
-              </a:rPr>
-              <a:t> 1.15</a:t>
-            </a:r>
-            <a:endParaRPr lang="en-US" sz="1400" dirty="0">
-              <a:effectLst/>
-              <a:latin typeface="Nexa Light" panose="02000000000000000000" pitchFamily="50" charset="0"/>
-              <a:ea typeface="Calibri" panose="020F0502020204030204" pitchFamily="34" charset="0"/>
-              <a:cs typeface="Times New Roman" panose="02020603050405020304" pitchFamily="18" charset="0"/>
-            </a:endParaRPr>
-          </a:p>
-          <a:p>
-            <a:pPr marL="0" indent="0">
-              <a:buNone/>
-            </a:pPr>
-            <a:endParaRPr lang="en-US" sz="1800" dirty="0"/>
-          </a:p>
-        </p:txBody>
-      </p:sp>
-      <p:sp>
-        <p:nvSpPr>
-          <p:cNvPr id="3" name="Content Placeholder 2">
-            <a:extLst>
-              <a:ext uri="{FF2B5EF4-FFF2-40B4-BE49-F238E27FC236}">
-                <a16:creationId xmlns:a16="http://schemas.microsoft.com/office/drawing/2014/main" id="{3DB2C56E-0019-0A77-2FC7-35E4CB871995}"/>
-              </a:ext>
-            </a:extLst>
-          </p:cNvPr>
-          <p:cNvSpPr>
-            <a:spLocks noGrp="1"/>
-          </p:cNvSpPr>
-          <p:nvPr>
-            <p:ph sz="half" idx="2"/>
-          </p:nvPr>
-        </p:nvSpPr>
-        <p:spPr>
-          <a:xfrm>
-            <a:off x="6172199" y="1446302"/>
-            <a:ext cx="5680923" cy="5290959"/>
-          </a:xfrm>
-        </p:spPr>
-        <p:txBody>
-          <a:bodyPr>
-            <a:normAutofit/>
-          </a:bodyPr>
-          <a:lstStyle/>
-          <a:p>
-            <a:pPr marL="342900" lvl="0" indent="-342900">
-              <a:lnSpc>
-                <a:spcPct val="160000"/>
-              </a:lnSpc>
-              <a:buFont typeface="Symbol" panose="05050102010706020507" pitchFamily="18" charset="2"/>
-              <a:buChar char=""/>
-            </a:pPr>
-            <a:r>
-              <a:rPr lang="en-GB" sz="1400" dirty="0">
-                <a:latin typeface="Nexa Light" panose="02000000000000000000" pitchFamily="50" charset="0"/>
-                <a:cs typeface="Times New Roman" panose="02020603050405020304" pitchFamily="18" charset="0"/>
-              </a:rPr>
-              <a:t>Install ONNX runtime </a:t>
-            </a:r>
-            <a:endParaRPr lang="en-US" sz="1400" dirty="0">
-              <a:latin typeface="Nexa Light" panose="02000000000000000000" pitchFamily="50" charset="0"/>
-              <a:cs typeface="Times New Roman" panose="02020603050405020304" pitchFamily="18" charset="0"/>
-            </a:endParaRPr>
-          </a:p>
-          <a:p>
-            <a:pPr marL="457200">
-              <a:lnSpc>
-                <a:spcPct val="160000"/>
-              </a:lnSpc>
-              <a:tabLst>
-                <a:tab pos="581660" algn="l"/>
-                <a:tab pos="1163320" algn="l"/>
-                <a:tab pos="1744980" algn="l"/>
-                <a:tab pos="2326640" algn="l"/>
-                <a:tab pos="2908300" algn="l"/>
-                <a:tab pos="3489960" algn="l"/>
-                <a:tab pos="4071620" algn="l"/>
-                <a:tab pos="4653280" algn="l"/>
-                <a:tab pos="5234940" algn="l"/>
-                <a:tab pos="5816600" algn="l"/>
-                <a:tab pos="6398260" algn="l"/>
-                <a:tab pos="6979920" algn="l"/>
-                <a:tab pos="7561580" algn="l"/>
-                <a:tab pos="8143240" algn="l"/>
-                <a:tab pos="8724900" algn="l"/>
-                <a:tab pos="9306560" algn="l"/>
-              </a:tabLst>
-            </a:pPr>
-            <a:r>
-              <a:rPr lang="en-GB" sz="1400" dirty="0">
-                <a:latin typeface="Nexa Light" panose="02000000000000000000" pitchFamily="50" charset="0"/>
-                <a:cs typeface="Times New Roman" panose="02020603050405020304" pitchFamily="18" charset="0"/>
-              </a:rPr>
-              <a:t># Download pip wheel from location mentioned above</a:t>
-            </a:r>
-            <a:endParaRPr lang="en-US" sz="1400" dirty="0">
-              <a:latin typeface="Nexa Light" panose="02000000000000000000" pitchFamily="50" charset="0"/>
-              <a:cs typeface="Times New Roman" panose="02020603050405020304" pitchFamily="18" charset="0"/>
-            </a:endParaRPr>
-          </a:p>
-          <a:p>
-            <a:pPr marL="457200">
-              <a:lnSpc>
-                <a:spcPct val="160000"/>
-              </a:lnSpc>
-              <a:tabLst>
-                <a:tab pos="581660" algn="l"/>
-                <a:tab pos="1163320" algn="l"/>
-                <a:tab pos="1744980" algn="l"/>
-                <a:tab pos="2326640" algn="l"/>
-                <a:tab pos="2908300" algn="l"/>
-                <a:tab pos="3489960" algn="l"/>
-                <a:tab pos="4071620" algn="l"/>
-                <a:tab pos="4653280" algn="l"/>
-                <a:tab pos="5234940" algn="l"/>
-                <a:tab pos="5816600" algn="l"/>
-                <a:tab pos="6398260" algn="l"/>
-                <a:tab pos="6979920" algn="l"/>
-                <a:tab pos="7561580" algn="l"/>
-                <a:tab pos="8143240" algn="l"/>
-                <a:tab pos="8724900" algn="l"/>
-                <a:tab pos="9306560" algn="l"/>
-              </a:tabLst>
-            </a:pPr>
-            <a:r>
-              <a:rPr lang="en-GB" sz="1400" dirty="0">
-                <a:latin typeface="Nexa Light" panose="02000000000000000000" pitchFamily="50" charset="0"/>
-                <a:cs typeface="Times New Roman" panose="02020603050405020304" pitchFamily="18" charset="0"/>
-              </a:rPr>
-              <a:t>$ </a:t>
-            </a:r>
-            <a:r>
-              <a:rPr lang="en-GB" sz="1400" dirty="0" err="1">
-                <a:latin typeface="Nexa Light" panose="02000000000000000000" pitchFamily="50" charset="0"/>
-                <a:cs typeface="Times New Roman" panose="02020603050405020304" pitchFamily="18" charset="0"/>
-              </a:rPr>
-              <a:t>wget</a:t>
-            </a:r>
-            <a:r>
-              <a:rPr lang="en-GB" sz="1400" dirty="0">
-                <a:latin typeface="Nexa Light" panose="02000000000000000000" pitchFamily="50" charset="0"/>
-                <a:cs typeface="Times New Roman" panose="02020603050405020304" pitchFamily="18" charset="0"/>
-              </a:rPr>
-              <a:t> https://nvidia.box.com/shared/static/jy7nqva7l88mq9i8bw3g3sklzf4kccn2.whl -O onnxruntime_gpu-1.10.0-cp36-cp36m-linux_aarch64.whl</a:t>
-            </a:r>
-            <a:endParaRPr lang="en-US" sz="1400" dirty="0">
-              <a:latin typeface="Nexa Light" panose="02000000000000000000" pitchFamily="50" charset="0"/>
-              <a:cs typeface="Times New Roman" panose="02020603050405020304" pitchFamily="18" charset="0"/>
-            </a:endParaRPr>
-          </a:p>
-          <a:p>
-            <a:pPr marL="457200">
-              <a:lnSpc>
-                <a:spcPct val="160000"/>
-              </a:lnSpc>
-              <a:tabLst>
-                <a:tab pos="581660" algn="l"/>
-                <a:tab pos="1163320" algn="l"/>
-                <a:tab pos="1744980" algn="l"/>
-                <a:tab pos="2326640" algn="l"/>
-                <a:tab pos="2908300" algn="l"/>
-                <a:tab pos="3489960" algn="l"/>
-                <a:tab pos="4071620" algn="l"/>
-                <a:tab pos="4653280" algn="l"/>
-                <a:tab pos="5234940" algn="l"/>
-                <a:tab pos="5816600" algn="l"/>
-                <a:tab pos="6398260" algn="l"/>
-                <a:tab pos="6979920" algn="l"/>
-                <a:tab pos="7561580" algn="l"/>
-                <a:tab pos="8143240" algn="l"/>
-                <a:tab pos="8724900" algn="l"/>
-                <a:tab pos="9306560" algn="l"/>
-              </a:tabLst>
-            </a:pPr>
-            <a:r>
-              <a:rPr lang="en-GB" sz="1400" dirty="0">
-                <a:latin typeface="Nexa Light" panose="02000000000000000000" pitchFamily="50" charset="0"/>
-                <a:cs typeface="Times New Roman" panose="02020603050405020304" pitchFamily="18" charset="0"/>
-              </a:rPr>
-              <a:t># Install pip wheel</a:t>
-            </a:r>
-            <a:endParaRPr lang="en-US" sz="1400" dirty="0">
-              <a:latin typeface="Nexa Light" panose="02000000000000000000" pitchFamily="50" charset="0"/>
-              <a:cs typeface="Times New Roman" panose="02020603050405020304" pitchFamily="18" charset="0"/>
-            </a:endParaRPr>
-          </a:p>
-          <a:p>
-            <a:pPr marL="457200">
-              <a:lnSpc>
-                <a:spcPct val="160000"/>
-              </a:lnSpc>
-              <a:tabLst>
-                <a:tab pos="581660" algn="l"/>
-                <a:tab pos="1163320" algn="l"/>
-                <a:tab pos="1744980" algn="l"/>
-                <a:tab pos="2326640" algn="l"/>
-                <a:tab pos="2908300" algn="l"/>
-                <a:tab pos="3489960" algn="l"/>
-                <a:tab pos="4071620" algn="l"/>
-                <a:tab pos="4653280" algn="l"/>
-                <a:tab pos="5234940" algn="l"/>
-                <a:tab pos="5816600" algn="l"/>
-                <a:tab pos="6398260" algn="l"/>
-                <a:tab pos="6979920" algn="l"/>
-                <a:tab pos="7561580" algn="l"/>
-                <a:tab pos="8143240" algn="l"/>
-                <a:tab pos="8724900" algn="l"/>
-                <a:tab pos="9306560" algn="l"/>
-              </a:tabLst>
-            </a:pPr>
-            <a:r>
-              <a:rPr lang="en-GB" sz="1400" dirty="0">
-                <a:latin typeface="Nexa Light" panose="02000000000000000000" pitchFamily="50" charset="0"/>
-                <a:cs typeface="Times New Roman" panose="02020603050405020304" pitchFamily="18" charset="0"/>
-              </a:rPr>
-              <a:t>$ pip3 install onnxruntime_gpu-1.10.0-cp36-cp36m-linux_aarch64.whl</a:t>
-            </a:r>
-            <a:endParaRPr lang="en-US" sz="1400" dirty="0">
-              <a:latin typeface="Nexa Light" panose="02000000000000000000" pitchFamily="50" charset="0"/>
-              <a:cs typeface="Times New Roman" panose="02020603050405020304" pitchFamily="18" charset="0"/>
-            </a:endParaRPr>
-          </a:p>
-          <a:p>
-            <a:pPr marL="0" indent="0">
-              <a:buNone/>
-            </a:pPr>
-            <a:endParaRPr lang="en-GB" sz="2000" dirty="0">
-              <a:latin typeface="Nexa-Bold" panose="01000000000000000000" pitchFamily="2" charset="0"/>
-            </a:endParaRPr>
-          </a:p>
-        </p:txBody>
-      </p:sp>
-      <p:sp>
-        <p:nvSpPr>
-          <p:cNvPr id="4" name="Title 3">
-            <a:extLst>
-              <a:ext uri="{FF2B5EF4-FFF2-40B4-BE49-F238E27FC236}">
-                <a16:creationId xmlns:a16="http://schemas.microsoft.com/office/drawing/2014/main" id="{73E924D9-F98A-A829-17A9-4F066F402F9D}"/>
-              </a:ext>
-            </a:extLst>
-          </p:cNvPr>
-          <p:cNvSpPr>
-            <a:spLocks noGrp="1"/>
-          </p:cNvSpPr>
-          <p:nvPr>
-            <p:ph type="title"/>
-          </p:nvPr>
-        </p:nvSpPr>
-        <p:spPr/>
-        <p:txBody>
-          <a:bodyPr/>
-          <a:lstStyle/>
-          <a:p>
-            <a:r>
-              <a:rPr lang="en-GB" dirty="0"/>
-              <a:t>Session 5</a:t>
-            </a:r>
-          </a:p>
-        </p:txBody>
-      </p:sp>
-    </p:spTree>
-    <p:extLst>
-      <p:ext uri="{BB962C8B-B14F-4D97-AF65-F5344CB8AC3E}">
-        <p14:creationId xmlns:p14="http://schemas.microsoft.com/office/powerpoint/2010/main" val="3549807251"/>
       </p:ext>
     </p:extLst>
   </p:cSld>
@@ -16076,7 +15617,7 @@
             </a:pPr>
             <a:r>
               <a:rPr lang="en-GB" sz="1400" dirty="0"/>
-              <a:t>This course is divided into five session, carefully designed for the user to learn about the different aspects of ROS  from topics and messages to control, simulation and AI using ROS.</a:t>
+              <a:t>This course is divided into five session, carefully designed for the user to learn about the different aspects of ROS  from topics and messages to control and simulation and simulation using ROS..</a:t>
             </a:r>
           </a:p>
           <a:p>
@@ -16086,16 +15627,9 @@
               </a:lnSpc>
             </a:pPr>
             <a:r>
-              <a:rPr lang="en-GB" sz="1400" dirty="0"/>
-              <a:t>During the course the student will interact with Manchester Robotics, learning platform the Puzzlebot. A mobile robotic platform designed to implement the different robotic algorithms (low level to high level) described throughout the course.</a:t>
-            </a:r>
-          </a:p>
-          <a:p>
-            <a:pPr>
-              <a:lnSpc>
-                <a:spcPct val="150000"/>
-              </a:lnSpc>
-            </a:pPr>
+              <a:rPr lang="en-US" sz="1400" dirty="0"/>
+              <a:t>This course will be based on challenges to make the student aware of ROS basics and ROS communication with hardware.</a:t>
+            </a:r>
             <a:endParaRPr lang="en-GB" sz="2000" dirty="0"/>
           </a:p>
         </p:txBody>
@@ -16350,12 +15884,6 @@
               <a:t>Basic understanding of robotics (recommended).</a:t>
             </a:r>
           </a:p>
-          <a:p>
-            <a:endParaRPr lang="en-GB" dirty="0"/>
-          </a:p>
-          <a:p>
-            <a:endParaRPr lang="en-GB" dirty="0"/>
-          </a:p>
         </p:txBody>
       </p:sp>
       <p:sp>
@@ -16380,28 +15908,6 @@
             <a:normAutofit/>
           </a:bodyPr>
           <a:lstStyle/>
-          <a:p>
-            <a:pPr>
-              <a:lnSpc>
-                <a:spcPct val="150000"/>
-              </a:lnSpc>
-            </a:pPr>
-            <a:r>
-              <a:rPr lang="en-GB" sz="1400" dirty="0"/>
-              <a:t>Basic knowledge of Ubuntu (recommended).</a:t>
-            </a:r>
-          </a:p>
-          <a:p>
-            <a:pPr>
-              <a:lnSpc>
-                <a:spcPct val="140000"/>
-              </a:lnSpc>
-            </a:pPr>
-            <a:r>
-              <a:rPr lang="en-GB" sz="1400" dirty="0"/>
-              <a:t>Access to a Puzzlebot or an  NVIDIA Jetson Nano with Manchester Robotics image.</a:t>
-            </a:r>
-          </a:p>
           <a:p>
             <a:pPr>
               <a:lnSpc>
@@ -16484,568 +15990,6 @@
 </file>
 
 <file path=ppt/slides/slide4.xml><?xml version="1.0" encoding="utf-8"?>
-<p:sld xmlns:a="http://schemas.openxmlformats.org/drawingml/2006/main" xmlns:r="http://schemas.openxmlformats.org/officeDocument/2006/relationships" xmlns:p="http://schemas.openxmlformats.org/presentationml/2006/main">
-  <p:cSld>
-    <p:spTree>
-      <p:nvGrpSpPr>
-        <p:cNvPr id="1" name=""/>
-        <p:cNvGrpSpPr/>
-        <p:nvPr/>
-      </p:nvGrpSpPr>
-      <p:grpSpPr>
-        <a:xfrm>
-          <a:off x="0" y="0"/>
-          <a:ext cx="0" cy="0"/>
-          <a:chOff x="0" y="0"/>
-          <a:chExt cx="0" cy="0"/>
-        </a:xfrm>
-      </p:grpSpPr>
-      <p:sp>
-        <p:nvSpPr>
-          <p:cNvPr id="2" name="Content Placeholder 1">
-            <a:extLst>
-              <a:ext uri="{FF2B5EF4-FFF2-40B4-BE49-F238E27FC236}">
-                <a16:creationId xmlns:a16="http://schemas.microsoft.com/office/drawing/2014/main" id="{9BF2799B-EB68-6919-2235-11E5FDFF0DD4}"/>
-              </a:ext>
-            </a:extLst>
-          </p:cNvPr>
-          <p:cNvSpPr>
-            <a:spLocks noGrp="1"/>
-          </p:cNvSpPr>
-          <p:nvPr>
-            <p:ph sz="half" idx="1"/>
-          </p:nvPr>
-        </p:nvSpPr>
-        <p:spPr/>
-        <p:txBody>
-          <a:bodyPr/>
-          <a:lstStyle/>
-          <a:p>
-            <a:pPr marL="0" indent="0">
-              <a:buNone/>
-            </a:pPr>
-            <a:r>
-              <a:rPr lang="en-GB" sz="2000" dirty="0">
-                <a:latin typeface="Nexa-Bold" panose="01000000000000000000" pitchFamily="2" charset="0"/>
-              </a:rPr>
-              <a:t>Topics</a:t>
-            </a:r>
-          </a:p>
-          <a:p>
-            <a:pPr>
-              <a:lnSpc>
-                <a:spcPct val="150000"/>
-              </a:lnSpc>
-            </a:pPr>
-            <a:r>
-              <a:rPr lang="en-GB" sz="1400" dirty="0"/>
-              <a:t>Introduction to ROS</a:t>
-            </a:r>
-          </a:p>
-          <a:p>
-            <a:pPr>
-              <a:lnSpc>
-                <a:spcPct val="150000"/>
-              </a:lnSpc>
-            </a:pPr>
-            <a:r>
-              <a:rPr lang="en-GB" sz="1400" dirty="0"/>
-              <a:t>Overview of the ROS Environment. </a:t>
-            </a:r>
-          </a:p>
-          <a:p>
-            <a:pPr lvl="1">
-              <a:lnSpc>
-                <a:spcPct val="150000"/>
-              </a:lnSpc>
-            </a:pPr>
-            <a:r>
-              <a:rPr lang="en-GB" sz="1400" dirty="0"/>
-              <a:t>Topics, messages, ROS.</a:t>
-            </a:r>
-          </a:p>
-          <a:p>
-            <a:pPr>
-              <a:lnSpc>
-                <a:spcPct val="150000"/>
-              </a:lnSpc>
-            </a:pPr>
-            <a:r>
-              <a:rPr lang="en-GB" sz="1400" dirty="0"/>
-              <a:t>Activity 1 (Talker and Listener)</a:t>
-            </a:r>
-          </a:p>
-          <a:p>
-            <a:pPr>
-              <a:lnSpc>
-                <a:spcPct val="150000"/>
-              </a:lnSpc>
-            </a:pPr>
-            <a:r>
-              <a:rPr lang="en-GB" sz="1400" dirty="0"/>
-              <a:t>Launch files</a:t>
-            </a:r>
-          </a:p>
-          <a:p>
-            <a:pPr>
-              <a:lnSpc>
-                <a:spcPct val="150000"/>
-              </a:lnSpc>
-            </a:pPr>
-            <a:r>
-              <a:rPr lang="en-GB" sz="1400" dirty="0"/>
-              <a:t>Q&amp;A</a:t>
-            </a:r>
-          </a:p>
-          <a:p>
-            <a:pPr>
-              <a:lnSpc>
-                <a:spcPct val="150000"/>
-              </a:lnSpc>
-            </a:pPr>
-            <a:r>
-              <a:rPr lang="en-GB" sz="1400" dirty="0"/>
-              <a:t>Challenge</a:t>
-            </a:r>
-          </a:p>
-        </p:txBody>
-      </p:sp>
-      <p:sp>
-        <p:nvSpPr>
-          <p:cNvPr id="3" name="Content Placeholder 2">
-            <a:extLst>
-              <a:ext uri="{FF2B5EF4-FFF2-40B4-BE49-F238E27FC236}">
-                <a16:creationId xmlns:a16="http://schemas.microsoft.com/office/drawing/2014/main" id="{3DB2C56E-0019-0A77-2FC7-35E4CB871995}"/>
-              </a:ext>
-            </a:extLst>
-          </p:cNvPr>
-          <p:cNvSpPr>
-            <a:spLocks noGrp="1"/>
-          </p:cNvSpPr>
-          <p:nvPr>
-            <p:ph sz="half" idx="2"/>
-          </p:nvPr>
-        </p:nvSpPr>
-        <p:spPr/>
-        <p:txBody>
-          <a:bodyPr>
-            <a:normAutofit/>
-          </a:bodyPr>
-          <a:lstStyle/>
-          <a:p>
-            <a:pPr marL="0" indent="0">
-              <a:buNone/>
-            </a:pPr>
-            <a:r>
-              <a:rPr lang="en-GB" sz="2000" dirty="0">
-                <a:latin typeface="Nexa-Bold" panose="01000000000000000000" pitchFamily="2" charset="0"/>
-              </a:rPr>
-              <a:t>Requirements</a:t>
-            </a:r>
-          </a:p>
-          <a:p>
-            <a:pPr>
-              <a:lnSpc>
-                <a:spcPct val="150000"/>
-              </a:lnSpc>
-            </a:pPr>
-            <a:r>
-              <a:rPr lang="en-GB" sz="1400" dirty="0"/>
-              <a:t>Computer with access to Zoom. </a:t>
-            </a:r>
-          </a:p>
-          <a:p>
-            <a:pPr>
-              <a:lnSpc>
-                <a:spcPct val="150000"/>
-              </a:lnSpc>
-            </a:pPr>
-            <a:r>
-              <a:rPr lang="en-GB" sz="1400" dirty="0"/>
-              <a:t>Have Ubuntu 18.04 and ROS Melodic Installed (Full installation). Instructions on how to install Ubuntu and ROS can be found in the presentation MCR2_VM_ROS.</a:t>
-            </a:r>
-          </a:p>
-          <a:p>
-            <a:pPr>
-              <a:lnSpc>
-                <a:spcPct val="150000"/>
-              </a:lnSpc>
-            </a:pPr>
-            <a:r>
-              <a:rPr lang="en-GB" sz="1400" dirty="0"/>
-              <a:t>In case Ubuntu 18.04 cannot be installed, MCR2 offers a Virtual Machine with ROS preinstalled (installation instructions in the presentation MCR2_VM_ROS).</a:t>
-            </a:r>
-          </a:p>
-          <a:p>
-            <a:pPr>
-              <a:lnSpc>
-                <a:spcPct val="150000"/>
-              </a:lnSpc>
-            </a:pPr>
-            <a:endParaRPr lang="en-GB" sz="1800" dirty="0"/>
-          </a:p>
-          <a:p>
-            <a:pPr lvl="1">
-              <a:lnSpc>
-                <a:spcPct val="150000"/>
-              </a:lnSpc>
-            </a:pPr>
-            <a:endParaRPr lang="en-GB" sz="1400" dirty="0"/>
-          </a:p>
-          <a:p>
-            <a:pPr marL="0" indent="0">
-              <a:buNone/>
-            </a:pPr>
-            <a:endParaRPr lang="en-GB" dirty="0"/>
-          </a:p>
-        </p:txBody>
-      </p:sp>
-      <p:sp>
-        <p:nvSpPr>
-          <p:cNvPr id="4" name="Title 3">
-            <a:extLst>
-              <a:ext uri="{FF2B5EF4-FFF2-40B4-BE49-F238E27FC236}">
-                <a16:creationId xmlns:a16="http://schemas.microsoft.com/office/drawing/2014/main" id="{73E924D9-F98A-A829-17A9-4F066F402F9D}"/>
-              </a:ext>
-            </a:extLst>
-          </p:cNvPr>
-          <p:cNvSpPr>
-            <a:spLocks noGrp="1"/>
-          </p:cNvSpPr>
-          <p:nvPr>
-            <p:ph type="title"/>
-          </p:nvPr>
-        </p:nvSpPr>
-        <p:spPr/>
-        <p:txBody>
-          <a:bodyPr/>
-          <a:lstStyle/>
-          <a:p>
-            <a:r>
-              <a:rPr lang="en-GB" dirty="0"/>
-              <a:t>Session 1</a:t>
-            </a:r>
-          </a:p>
-        </p:txBody>
-      </p:sp>
-    </p:spTree>
-    <p:extLst>
-      <p:ext uri="{BB962C8B-B14F-4D97-AF65-F5344CB8AC3E}">
-        <p14:creationId xmlns:p14="http://schemas.microsoft.com/office/powerpoint/2010/main" val="2066007595"/>
-      </p:ext>
-    </p:extLst>
-  </p:cSld>
-  <p:clrMapOvr>
-    <a:masterClrMapping/>
-  </p:clrMapOvr>
-</p:sld>
-</file>
-
-<file path=ppt/slides/slide5.xml><?xml version="1.0" encoding="utf-8"?>
-<p:sld xmlns:a="http://schemas.openxmlformats.org/drawingml/2006/main" xmlns:r="http://schemas.openxmlformats.org/officeDocument/2006/relationships" xmlns:p="http://schemas.openxmlformats.org/presentationml/2006/main">
-  <p:cSld>
-    <p:spTree>
-      <p:nvGrpSpPr>
-        <p:cNvPr id="1" name=""/>
-        <p:cNvGrpSpPr/>
-        <p:nvPr/>
-      </p:nvGrpSpPr>
-      <p:grpSpPr>
-        <a:xfrm>
-          <a:off x="0" y="0"/>
-          <a:ext cx="0" cy="0"/>
-          <a:chOff x="0" y="0"/>
-          <a:chExt cx="0" cy="0"/>
-        </a:xfrm>
-      </p:grpSpPr>
-      <p:sp>
-        <p:nvSpPr>
-          <p:cNvPr id="2" name="Content Placeholder 1">
-            <a:extLst>
-              <a:ext uri="{FF2B5EF4-FFF2-40B4-BE49-F238E27FC236}">
-                <a16:creationId xmlns:a16="http://schemas.microsoft.com/office/drawing/2014/main" id="{9BF2799B-EB68-6919-2235-11E5FDFF0DD4}"/>
-              </a:ext>
-            </a:extLst>
-          </p:cNvPr>
-          <p:cNvSpPr>
-            <a:spLocks noGrp="1"/>
-          </p:cNvSpPr>
-          <p:nvPr>
-            <p:ph sz="half" idx="1"/>
-          </p:nvPr>
-        </p:nvSpPr>
-        <p:spPr/>
-        <p:txBody>
-          <a:bodyPr>
-            <a:normAutofit/>
-          </a:bodyPr>
-          <a:lstStyle/>
-          <a:p>
-            <a:pPr marL="0" indent="0">
-              <a:buNone/>
-            </a:pPr>
-            <a:r>
-              <a:rPr lang="en-GB" sz="2000" dirty="0">
-                <a:latin typeface="Nexa-Bold" panose="01000000000000000000" pitchFamily="2" charset="0"/>
-              </a:rPr>
-              <a:t>Topics</a:t>
-            </a:r>
-          </a:p>
-          <a:p>
-            <a:pPr>
-              <a:lnSpc>
-                <a:spcPct val="150000"/>
-              </a:lnSpc>
-            </a:pPr>
-            <a:r>
-              <a:rPr lang="en-GB" sz="1400" dirty="0"/>
-              <a:t>ROS Namespaces</a:t>
-            </a:r>
-          </a:p>
-          <a:p>
-            <a:pPr>
-              <a:lnSpc>
-                <a:spcPct val="150000"/>
-              </a:lnSpc>
-            </a:pPr>
-            <a:r>
-              <a:rPr lang="en-GB" sz="1400" dirty="0"/>
-              <a:t>ROS Parameter Server</a:t>
-            </a:r>
-          </a:p>
-          <a:p>
-            <a:pPr>
-              <a:lnSpc>
-                <a:spcPct val="150000"/>
-              </a:lnSpc>
-            </a:pPr>
-            <a:r>
-              <a:rPr lang="en-GB" sz="1400" dirty="0"/>
-              <a:t>ROS Custom Messages</a:t>
-            </a:r>
-          </a:p>
-          <a:p>
-            <a:pPr>
-              <a:lnSpc>
-                <a:spcPct val="150000"/>
-              </a:lnSpc>
-            </a:pPr>
-            <a:r>
-              <a:rPr lang="en-GB" sz="1400" dirty="0"/>
-              <a:t>Activity 1: Parametrise previous nodes</a:t>
-            </a:r>
-          </a:p>
-          <a:p>
-            <a:pPr>
-              <a:lnSpc>
-                <a:spcPct val="150000"/>
-              </a:lnSpc>
-            </a:pPr>
-            <a:r>
-              <a:rPr lang="en-GB" sz="1400" dirty="0" err="1"/>
-              <a:t>Rosserial</a:t>
-            </a:r>
-            <a:endParaRPr lang="en-GB" sz="1400" dirty="0"/>
-          </a:p>
-          <a:p>
-            <a:pPr>
-              <a:lnSpc>
-                <a:spcPct val="150000"/>
-              </a:lnSpc>
-            </a:pPr>
-            <a:r>
-              <a:rPr lang="en-GB" sz="1400" dirty="0"/>
-              <a:t>Activity 2: Hello World (Arduino/</a:t>
-            </a:r>
-            <a:r>
-              <a:rPr lang="en-GB" sz="1400" dirty="0" err="1"/>
-              <a:t>Hackerboard</a:t>
-            </a:r>
-            <a:r>
-              <a:rPr lang="en-GB" sz="1400" dirty="0"/>
-              <a:t> ROS)</a:t>
-            </a:r>
-          </a:p>
-          <a:p>
-            <a:pPr>
-              <a:lnSpc>
-                <a:spcPct val="150000"/>
-              </a:lnSpc>
-            </a:pPr>
-            <a:r>
-              <a:rPr lang="en-GB" sz="1400" dirty="0"/>
-              <a:t>Q&amp;A</a:t>
-            </a:r>
-          </a:p>
-          <a:p>
-            <a:pPr>
-              <a:lnSpc>
-                <a:spcPct val="150000"/>
-              </a:lnSpc>
-            </a:pPr>
-            <a:r>
-              <a:rPr lang="en-GB" sz="1400" dirty="0"/>
-              <a:t>Challenge</a:t>
-            </a:r>
-          </a:p>
-        </p:txBody>
-      </p:sp>
-      <p:sp>
-        <p:nvSpPr>
-          <p:cNvPr id="3" name="Content Placeholder 2">
-            <a:extLst>
-              <a:ext uri="{FF2B5EF4-FFF2-40B4-BE49-F238E27FC236}">
-                <a16:creationId xmlns:a16="http://schemas.microsoft.com/office/drawing/2014/main" id="{3DB2C56E-0019-0A77-2FC7-35E4CB871995}"/>
-              </a:ext>
-            </a:extLst>
-          </p:cNvPr>
-          <p:cNvSpPr>
-            <a:spLocks noGrp="1"/>
-          </p:cNvSpPr>
-          <p:nvPr>
-            <p:ph sz="half" idx="2"/>
-          </p:nvPr>
-        </p:nvSpPr>
-        <p:spPr>
-          <a:xfrm>
-            <a:off x="6172200" y="1825624"/>
-            <a:ext cx="5181600" cy="4756919"/>
-          </a:xfrm>
-        </p:spPr>
-        <p:txBody>
-          <a:bodyPr>
-            <a:normAutofit/>
-          </a:bodyPr>
-          <a:lstStyle/>
-          <a:p>
-            <a:pPr marL="0" indent="0">
-              <a:buNone/>
-            </a:pPr>
-            <a:r>
-              <a:rPr lang="en-GB" sz="2000" dirty="0">
-                <a:latin typeface="Nexa-Bold" panose="01000000000000000000" pitchFamily="2" charset="0"/>
-              </a:rPr>
-              <a:t>Requirements</a:t>
-            </a:r>
-          </a:p>
-          <a:p>
-            <a:pPr>
-              <a:lnSpc>
-                <a:spcPct val="150000"/>
-              </a:lnSpc>
-            </a:pPr>
-            <a:r>
-              <a:rPr lang="en-GB" sz="1400" dirty="0"/>
-              <a:t>Requirements of Session 1.</a:t>
-            </a:r>
-          </a:p>
-          <a:p>
-            <a:pPr>
-              <a:lnSpc>
-                <a:spcPct val="150000"/>
-              </a:lnSpc>
-            </a:pPr>
-            <a:r>
-              <a:rPr lang="en-GB" sz="1400" dirty="0"/>
-              <a:t>Installation of the Arduino IDE and the </a:t>
-            </a:r>
-            <a:r>
-              <a:rPr lang="en-GB" sz="1400" dirty="0" err="1"/>
-              <a:t>Rosserial</a:t>
-            </a:r>
-            <a:r>
-              <a:rPr lang="en-GB" sz="1400" dirty="0"/>
-              <a:t> package in the VM or Ubuntu (See instructions on presentation MCR2_Arduino_IDE_Confirguration).</a:t>
-            </a:r>
-          </a:p>
-          <a:p>
-            <a:pPr>
-              <a:lnSpc>
-                <a:spcPct val="140000"/>
-              </a:lnSpc>
-            </a:pPr>
-            <a:r>
-              <a:rPr lang="en-GB" sz="1400" dirty="0"/>
-              <a:t>Access to </a:t>
-            </a:r>
-            <a:r>
-              <a:rPr lang="en-GB" sz="1400" dirty="0" err="1"/>
-              <a:t>Hackerboard</a:t>
-            </a:r>
-            <a:r>
-              <a:rPr lang="en-GB" sz="1400" dirty="0"/>
-              <a:t> and a MCR2 DC motor. </a:t>
-            </a:r>
-          </a:p>
-          <a:p>
-            <a:pPr lvl="1">
-              <a:lnSpc>
-                <a:spcPct val="140000"/>
-              </a:lnSpc>
-            </a:pPr>
-            <a:r>
-              <a:rPr lang="en-GB" sz="1400" dirty="0"/>
-              <a:t>In case you have no access to the </a:t>
-            </a:r>
-            <a:r>
-              <a:rPr lang="en-GB" sz="1400" dirty="0" err="1"/>
-              <a:t>Hackeborad</a:t>
-            </a:r>
-            <a:r>
-              <a:rPr lang="en-GB" sz="1400" dirty="0"/>
-              <a:t>, can be replaced for an Arduino Mega, a L298n Motor Driver module and a DC motor brushed with encoder. See next slide for components list.</a:t>
-            </a:r>
-          </a:p>
-          <a:p>
-            <a:pPr marL="0" indent="0">
-              <a:buNone/>
-            </a:pPr>
-            <a:endParaRPr lang="en-GB" dirty="0"/>
-          </a:p>
-        </p:txBody>
-      </p:sp>
-      <p:sp>
-        <p:nvSpPr>
-          <p:cNvPr id="4" name="Title 3">
-            <a:extLst>
-              <a:ext uri="{FF2B5EF4-FFF2-40B4-BE49-F238E27FC236}">
-                <a16:creationId xmlns:a16="http://schemas.microsoft.com/office/drawing/2014/main" id="{73E924D9-F98A-A829-17A9-4F066F402F9D}"/>
-              </a:ext>
-            </a:extLst>
-          </p:cNvPr>
-          <p:cNvSpPr>
-            <a:spLocks noGrp="1"/>
-          </p:cNvSpPr>
-          <p:nvPr>
-            <p:ph type="title"/>
-          </p:nvPr>
-        </p:nvSpPr>
-        <p:spPr/>
-        <p:txBody>
-          <a:bodyPr/>
-          <a:lstStyle/>
-          <a:p>
-            <a:r>
-              <a:rPr lang="en-GB" dirty="0"/>
-              <a:t>Session 2</a:t>
-            </a:r>
-          </a:p>
-        </p:txBody>
-      </p:sp>
-    </p:spTree>
-    <p:extLst>
-      <p:ext uri="{BB962C8B-B14F-4D97-AF65-F5344CB8AC3E}">
-        <p14:creationId xmlns:p14="http://schemas.microsoft.com/office/powerpoint/2010/main" val="1931461787"/>
-      </p:ext>
-    </p:extLst>
-  </p:cSld>
-  <p:clrMapOvr>
-    <a:masterClrMapping/>
-  </p:clrMapOvr>
-</p:sld>
-</file>
-
-<file path=ppt/slides/slide6.xml><?xml version="1.0" encoding="utf-8"?>
 <p:sld xmlns:a="http://schemas.openxmlformats.org/drawingml/2006/main" xmlns:r="http://schemas.openxmlformats.org/officeDocument/2006/relationships" xmlns:p="http://schemas.openxmlformats.org/presentationml/2006/main">
   <p:cSld>
     <p:spTree>
@@ -17205,23 +16149,23 @@
           </p:nvCxnSpPr>
           <p:spPr>
             <a:xfrm flipH="1">
-              <a:off x="6560474" y="261182"/>
-              <a:ext cx="28603" cy="6470615"/>
+              <a:off x="6367967" y="350044"/>
+              <a:ext cx="9240" cy="6381753"/>
             </a:xfrm>
             <a:prstGeom prst="line">
               <a:avLst/>
             </a:prstGeom>
-            <a:ln w="76200"/>
+            <a:ln/>
           </p:spPr>
           <p:style>
             <a:lnRef idx="1">
-              <a:schemeClr val="accent1"/>
+              <a:schemeClr val="dk1"/>
             </a:lnRef>
             <a:fillRef idx="0">
-              <a:schemeClr val="accent1"/>
+              <a:schemeClr val="dk1"/>
             </a:fillRef>
             <a:effectRef idx="0">
-              <a:schemeClr val="accent1"/>
+              <a:schemeClr val="dk1"/>
             </a:effectRef>
             <a:fontRef idx="minor">
               <a:schemeClr val="tx1"/>
@@ -17889,6 +16833,548 @@
 </p:sld>
 </file>
 
+<file path=ppt/slides/slide5.xml><?xml version="1.0" encoding="utf-8"?>
+<p:sld xmlns:a="http://schemas.openxmlformats.org/drawingml/2006/main" xmlns:r="http://schemas.openxmlformats.org/officeDocument/2006/relationships" xmlns:p="http://schemas.openxmlformats.org/presentationml/2006/main">
+  <p:cSld>
+    <p:spTree>
+      <p:nvGrpSpPr>
+        <p:cNvPr id="1" name=""/>
+        <p:cNvGrpSpPr/>
+        <p:nvPr/>
+      </p:nvGrpSpPr>
+      <p:grpSpPr>
+        <a:xfrm>
+          <a:off x="0" y="0"/>
+          <a:ext cx="0" cy="0"/>
+          <a:chOff x="0" y="0"/>
+          <a:chExt cx="0" cy="0"/>
+        </a:xfrm>
+      </p:grpSpPr>
+      <p:sp>
+        <p:nvSpPr>
+          <p:cNvPr id="2" name="Content Placeholder 1">
+            <a:extLst>
+              <a:ext uri="{FF2B5EF4-FFF2-40B4-BE49-F238E27FC236}">
+                <a16:creationId xmlns:a16="http://schemas.microsoft.com/office/drawing/2014/main" id="{9BF2799B-EB68-6919-2235-11E5FDFF0DD4}"/>
+              </a:ext>
+            </a:extLst>
+          </p:cNvPr>
+          <p:cNvSpPr>
+            <a:spLocks noGrp="1"/>
+          </p:cNvSpPr>
+          <p:nvPr>
+            <p:ph sz="half" idx="1"/>
+          </p:nvPr>
+        </p:nvSpPr>
+        <p:spPr>
+          <a:xfrm>
+            <a:off x="838200" y="1825625"/>
+            <a:ext cx="5181600" cy="4767680"/>
+          </a:xfrm>
+        </p:spPr>
+        <p:txBody>
+          <a:bodyPr>
+            <a:normAutofit/>
+          </a:bodyPr>
+          <a:lstStyle/>
+          <a:p>
+            <a:pPr marL="0" indent="0">
+              <a:buNone/>
+            </a:pPr>
+            <a:r>
+              <a:rPr lang="en-US" sz="2000" dirty="0">
+                <a:latin typeface="Nexa-Bold" panose="01000000000000000000" pitchFamily="2" charset="0"/>
+              </a:rPr>
+              <a:t>Session 1:</a:t>
+            </a:r>
+          </a:p>
+          <a:p>
+            <a:r>
+              <a:rPr lang="en-US" sz="1400" dirty="0">
+                <a:latin typeface="Nexa-ExtraLight" panose="01000000000000000000" pitchFamily="2" charset="0"/>
+              </a:rPr>
+              <a:t>Who we are? Introduction to MCR2.</a:t>
+            </a:r>
+          </a:p>
+          <a:p>
+            <a:r>
+              <a:rPr lang="en-US" sz="1400" dirty="0">
+                <a:latin typeface="Nexa-ExtraLight" panose="01000000000000000000" pitchFamily="2" charset="0"/>
+              </a:rPr>
+              <a:t>Introduction to Robotics</a:t>
+            </a:r>
+          </a:p>
+          <a:p>
+            <a:r>
+              <a:rPr lang="en-US" sz="1400" dirty="0">
+                <a:latin typeface="Nexa-ExtraLight" panose="01000000000000000000" pitchFamily="2" charset="0"/>
+              </a:rPr>
+              <a:t>Introduction to VM, Ubuntu</a:t>
+            </a:r>
+          </a:p>
+          <a:p>
+            <a:pPr marL="0" indent="0">
+              <a:buNone/>
+            </a:pPr>
+            <a:endParaRPr lang="en-US" sz="1400" dirty="0">
+              <a:latin typeface="Nexa-ExtraLight" panose="01000000000000000000" pitchFamily="2" charset="0"/>
+            </a:endParaRPr>
+          </a:p>
+          <a:p>
+            <a:pPr marL="0" indent="0">
+              <a:buNone/>
+            </a:pPr>
+            <a:r>
+              <a:rPr lang="en-US" sz="2000" dirty="0">
+                <a:latin typeface="Nexa-Bold" panose="01000000000000000000" pitchFamily="2" charset="0"/>
+              </a:rPr>
+              <a:t>Session 2:</a:t>
+            </a:r>
+          </a:p>
+          <a:p>
+            <a:r>
+              <a:rPr lang="en-US" sz="1400" dirty="0">
+                <a:latin typeface="Nexa-ExtraLight" panose="01000000000000000000" pitchFamily="2" charset="0"/>
+              </a:rPr>
+              <a:t>Introduction to ROS</a:t>
+            </a:r>
+          </a:p>
+          <a:p>
+            <a:r>
+              <a:rPr lang="en-US" sz="1400" dirty="0">
+                <a:latin typeface="Nexa-ExtraLight" panose="01000000000000000000" pitchFamily="2" charset="0"/>
+              </a:rPr>
+              <a:t>Overview of the ROS Environment: Topics, messages, ROS.</a:t>
+            </a:r>
+          </a:p>
+          <a:p>
+            <a:r>
+              <a:rPr lang="en-US" sz="1400" dirty="0">
+                <a:latin typeface="Nexa-ExtraLight" panose="01000000000000000000" pitchFamily="2" charset="0"/>
+              </a:rPr>
+              <a:t>Activity 1 (Talker and Listener)</a:t>
+            </a:r>
+          </a:p>
+          <a:p>
+            <a:r>
+              <a:rPr lang="en-US" sz="1400" dirty="0">
+                <a:latin typeface="Nexa-ExtraLight" panose="01000000000000000000" pitchFamily="2" charset="0"/>
+              </a:rPr>
+              <a:t>Launch files</a:t>
+            </a:r>
+          </a:p>
+          <a:p>
+            <a:r>
+              <a:rPr lang="en-US" sz="1400" dirty="0">
+                <a:latin typeface="Nexa-ExtraLight" panose="01000000000000000000" pitchFamily="2" charset="0"/>
+              </a:rPr>
+              <a:t>Activity 2: Launch Files</a:t>
+            </a:r>
+          </a:p>
+          <a:p>
+            <a:r>
+              <a:rPr lang="en-US" sz="1400" dirty="0">
+                <a:latin typeface="Nexa-ExtraLight" panose="01000000000000000000" pitchFamily="2" charset="0"/>
+              </a:rPr>
+              <a:t>Q&amp;A</a:t>
+            </a:r>
+          </a:p>
+          <a:p>
+            <a:r>
+              <a:rPr lang="en-US" sz="1400" dirty="0">
+                <a:latin typeface="Nexa-ExtraLight" panose="01000000000000000000" pitchFamily="2" charset="0"/>
+              </a:rPr>
+              <a:t>Mini challenge: Generate a node that send a signal to another node to process it.</a:t>
+            </a:r>
+            <a:endParaRPr lang="en-GB" sz="1400" dirty="0">
+              <a:latin typeface="Nexa-ExtraLight" panose="01000000000000000000" pitchFamily="2" charset="0"/>
+            </a:endParaRPr>
+          </a:p>
+        </p:txBody>
+      </p:sp>
+      <p:sp>
+        <p:nvSpPr>
+          <p:cNvPr id="3" name="Content Placeholder 2">
+            <a:extLst>
+              <a:ext uri="{FF2B5EF4-FFF2-40B4-BE49-F238E27FC236}">
+                <a16:creationId xmlns:a16="http://schemas.microsoft.com/office/drawing/2014/main" id="{3DB2C56E-0019-0A77-2FC7-35E4CB871995}"/>
+              </a:ext>
+            </a:extLst>
+          </p:cNvPr>
+          <p:cNvSpPr>
+            <a:spLocks noGrp="1"/>
+          </p:cNvSpPr>
+          <p:nvPr>
+            <p:ph sz="half" idx="2"/>
+          </p:nvPr>
+        </p:nvSpPr>
+        <p:spPr/>
+        <p:txBody>
+          <a:bodyPr>
+            <a:normAutofit/>
+          </a:bodyPr>
+          <a:lstStyle/>
+          <a:p>
+            <a:pPr marL="0" indent="0">
+              <a:buNone/>
+            </a:pPr>
+            <a:r>
+              <a:rPr lang="en-GB" sz="2000" dirty="0">
+                <a:latin typeface="Nexa-Bold" panose="01000000000000000000" pitchFamily="2" charset="0"/>
+              </a:rPr>
+              <a:t>Requirements</a:t>
+            </a:r>
+          </a:p>
+          <a:p>
+            <a:pPr>
+              <a:lnSpc>
+                <a:spcPct val="150000"/>
+              </a:lnSpc>
+            </a:pPr>
+            <a:r>
+              <a:rPr lang="en-GB" sz="1400" dirty="0"/>
+              <a:t>Computer with access to Zoom. </a:t>
+            </a:r>
+          </a:p>
+          <a:p>
+            <a:pPr>
+              <a:lnSpc>
+                <a:spcPct val="150000"/>
+              </a:lnSpc>
+            </a:pPr>
+            <a:r>
+              <a:rPr lang="en-GB" sz="1400" dirty="0"/>
+              <a:t>Have Ubuntu 18.04 and ROS Melodic Installed (Full installation). Instructions on how to install Ubuntu and ROS can be found in the presentation MCR2_VM_ROS.</a:t>
+            </a:r>
+          </a:p>
+          <a:p>
+            <a:pPr>
+              <a:lnSpc>
+                <a:spcPct val="150000"/>
+              </a:lnSpc>
+            </a:pPr>
+            <a:r>
+              <a:rPr lang="en-GB" sz="1400" dirty="0"/>
+              <a:t>In case Ubuntu 18.04 cannot be installed, MCR2 offers a Virtual Machine with ROS preinstalled (installation instructions in the presentation MCR2_VM_ROS).</a:t>
+            </a:r>
+          </a:p>
+          <a:p>
+            <a:pPr>
+              <a:lnSpc>
+                <a:spcPct val="150000"/>
+              </a:lnSpc>
+            </a:pPr>
+            <a:endParaRPr lang="en-GB" sz="1800" dirty="0"/>
+          </a:p>
+          <a:p>
+            <a:pPr lvl="1">
+              <a:lnSpc>
+                <a:spcPct val="150000"/>
+              </a:lnSpc>
+            </a:pPr>
+            <a:endParaRPr lang="en-GB" sz="1400" dirty="0"/>
+          </a:p>
+          <a:p>
+            <a:pPr marL="0" indent="0">
+              <a:buNone/>
+            </a:pPr>
+            <a:endParaRPr lang="en-GB" dirty="0"/>
+          </a:p>
+        </p:txBody>
+      </p:sp>
+      <p:sp>
+        <p:nvSpPr>
+          <p:cNvPr id="4" name="Title 3">
+            <a:extLst>
+              <a:ext uri="{FF2B5EF4-FFF2-40B4-BE49-F238E27FC236}">
+                <a16:creationId xmlns:a16="http://schemas.microsoft.com/office/drawing/2014/main" id="{73E924D9-F98A-A829-17A9-4F066F402F9D}"/>
+              </a:ext>
+            </a:extLst>
+          </p:cNvPr>
+          <p:cNvSpPr>
+            <a:spLocks noGrp="1"/>
+          </p:cNvSpPr>
+          <p:nvPr>
+            <p:ph type="title"/>
+          </p:nvPr>
+        </p:nvSpPr>
+        <p:spPr/>
+        <p:txBody>
+          <a:bodyPr/>
+          <a:lstStyle/>
+          <a:p>
+            <a:r>
+              <a:rPr lang="en-GB" dirty="0"/>
+              <a:t>Week 1: Introduction</a:t>
+            </a:r>
+          </a:p>
+        </p:txBody>
+      </p:sp>
+    </p:spTree>
+    <p:extLst>
+      <p:ext uri="{BB962C8B-B14F-4D97-AF65-F5344CB8AC3E}">
+        <p14:creationId xmlns:p14="http://schemas.microsoft.com/office/powerpoint/2010/main" val="2066007595"/>
+      </p:ext>
+    </p:extLst>
+  </p:cSld>
+  <p:clrMapOvr>
+    <a:masterClrMapping/>
+  </p:clrMapOvr>
+</p:sld>
+</file>
+
+<file path=ppt/slides/slide6.xml><?xml version="1.0" encoding="utf-8"?>
+<p:sld xmlns:a="http://schemas.openxmlformats.org/drawingml/2006/main" xmlns:r="http://schemas.openxmlformats.org/officeDocument/2006/relationships" xmlns:p="http://schemas.openxmlformats.org/presentationml/2006/main">
+  <p:cSld>
+    <p:spTree>
+      <p:nvGrpSpPr>
+        <p:cNvPr id="1" name=""/>
+        <p:cNvGrpSpPr/>
+        <p:nvPr/>
+      </p:nvGrpSpPr>
+      <p:grpSpPr>
+        <a:xfrm>
+          <a:off x="0" y="0"/>
+          <a:ext cx="0" cy="0"/>
+          <a:chOff x="0" y="0"/>
+          <a:chExt cx="0" cy="0"/>
+        </a:xfrm>
+      </p:grpSpPr>
+      <p:sp>
+        <p:nvSpPr>
+          <p:cNvPr id="2" name="Content Placeholder 1">
+            <a:extLst>
+              <a:ext uri="{FF2B5EF4-FFF2-40B4-BE49-F238E27FC236}">
+                <a16:creationId xmlns:a16="http://schemas.microsoft.com/office/drawing/2014/main" id="{9BF2799B-EB68-6919-2235-11E5FDFF0DD4}"/>
+              </a:ext>
+            </a:extLst>
+          </p:cNvPr>
+          <p:cNvSpPr>
+            <a:spLocks noGrp="1"/>
+          </p:cNvSpPr>
+          <p:nvPr>
+            <p:ph sz="half" idx="1"/>
+          </p:nvPr>
+        </p:nvSpPr>
+        <p:spPr/>
+        <p:txBody>
+          <a:bodyPr>
+            <a:normAutofit/>
+          </a:bodyPr>
+          <a:lstStyle/>
+          <a:p>
+            <a:pPr marL="0" indent="0">
+              <a:lnSpc>
+                <a:spcPct val="100000"/>
+              </a:lnSpc>
+              <a:buNone/>
+            </a:pPr>
+            <a:r>
+              <a:rPr lang="en-GB" sz="2000" dirty="0">
+                <a:latin typeface="Nexa-Bold" panose="01000000000000000000" pitchFamily="2" charset="0"/>
+              </a:rPr>
+              <a:t>Session 1:</a:t>
+            </a:r>
+          </a:p>
+          <a:p>
+            <a:pPr>
+              <a:lnSpc>
+                <a:spcPct val="100000"/>
+              </a:lnSpc>
+            </a:pPr>
+            <a:r>
+              <a:rPr lang="en-GB" sz="1400" dirty="0">
+                <a:latin typeface="Nexa-ExtraLight" panose="01000000000000000000" pitchFamily="2" charset="0"/>
+              </a:rPr>
+              <a:t>ROS Namespaces</a:t>
+            </a:r>
+          </a:p>
+          <a:p>
+            <a:pPr>
+              <a:lnSpc>
+                <a:spcPct val="100000"/>
+              </a:lnSpc>
+            </a:pPr>
+            <a:r>
+              <a:rPr lang="en-GB" sz="1400" dirty="0">
+                <a:latin typeface="Nexa-ExtraLight" panose="01000000000000000000" pitchFamily="2" charset="0"/>
+              </a:rPr>
+              <a:t>ROS Parameter Server</a:t>
+            </a:r>
+          </a:p>
+          <a:p>
+            <a:pPr>
+              <a:lnSpc>
+                <a:spcPct val="100000"/>
+              </a:lnSpc>
+            </a:pPr>
+            <a:r>
+              <a:rPr lang="en-GB" sz="1400" dirty="0">
+                <a:latin typeface="Nexa-ExtraLight" panose="01000000000000000000" pitchFamily="2" charset="0"/>
+              </a:rPr>
+              <a:t>Activity 1: Parametrise previous nodes</a:t>
+            </a:r>
+          </a:p>
+          <a:p>
+            <a:pPr>
+              <a:lnSpc>
+                <a:spcPct val="100000"/>
+              </a:lnSpc>
+            </a:pPr>
+            <a:r>
+              <a:rPr lang="en-GB" sz="1400" dirty="0">
+                <a:latin typeface="Nexa-ExtraLight" panose="01000000000000000000" pitchFamily="2" charset="0"/>
+              </a:rPr>
+              <a:t>ROS Custom Messages</a:t>
+            </a:r>
+          </a:p>
+          <a:p>
+            <a:pPr marL="0" indent="0">
+              <a:lnSpc>
+                <a:spcPct val="100000"/>
+              </a:lnSpc>
+              <a:buNone/>
+            </a:pPr>
+            <a:r>
+              <a:rPr lang="en-GB" sz="2000" dirty="0">
+                <a:latin typeface="Nexa-Bold" panose="01000000000000000000" pitchFamily="2" charset="0"/>
+              </a:rPr>
+              <a:t>Session 2:</a:t>
+            </a:r>
+          </a:p>
+          <a:p>
+            <a:pPr>
+              <a:lnSpc>
+                <a:spcPct val="100000"/>
+              </a:lnSpc>
+            </a:pPr>
+            <a:r>
+              <a:rPr lang="en-GB" sz="1400" dirty="0">
+                <a:latin typeface="Nexa-ExtraLight" panose="01000000000000000000" pitchFamily="2" charset="0"/>
+              </a:rPr>
+              <a:t>Control Basics: Continuous time only/ no theory just practicalities.</a:t>
+            </a:r>
+          </a:p>
+          <a:p>
+            <a:pPr>
+              <a:lnSpc>
+                <a:spcPct val="100000"/>
+              </a:lnSpc>
+            </a:pPr>
+            <a:r>
+              <a:rPr lang="en-GB" sz="1400" dirty="0">
+                <a:latin typeface="Nexa-ExtraLight" panose="01000000000000000000" pitchFamily="2" charset="0"/>
+              </a:rPr>
+              <a:t>Q&amp;A</a:t>
+            </a:r>
+          </a:p>
+          <a:p>
+            <a:pPr>
+              <a:lnSpc>
+                <a:spcPct val="100000"/>
+              </a:lnSpc>
+            </a:pPr>
+            <a:r>
+              <a:rPr lang="en-GB" sz="1400" dirty="0">
+                <a:latin typeface="Nexa-ExtraLight" panose="01000000000000000000" pitchFamily="2" charset="0"/>
+              </a:rPr>
+              <a:t>Mini challenge: P/PI Controller from scratch to a 1st order simulated system.</a:t>
+            </a:r>
+          </a:p>
+        </p:txBody>
+      </p:sp>
+      <p:sp>
+        <p:nvSpPr>
+          <p:cNvPr id="3" name="Content Placeholder 2">
+            <a:extLst>
+              <a:ext uri="{FF2B5EF4-FFF2-40B4-BE49-F238E27FC236}">
+                <a16:creationId xmlns:a16="http://schemas.microsoft.com/office/drawing/2014/main" id="{3DB2C56E-0019-0A77-2FC7-35E4CB871995}"/>
+              </a:ext>
+            </a:extLst>
+          </p:cNvPr>
+          <p:cNvSpPr>
+            <a:spLocks noGrp="1"/>
+          </p:cNvSpPr>
+          <p:nvPr>
+            <p:ph sz="half" idx="2"/>
+          </p:nvPr>
+        </p:nvSpPr>
+        <p:spPr>
+          <a:xfrm>
+            <a:off x="6172200" y="1825624"/>
+            <a:ext cx="5181600" cy="4756919"/>
+          </a:xfrm>
+        </p:spPr>
+        <p:txBody>
+          <a:bodyPr>
+            <a:normAutofit/>
+          </a:bodyPr>
+          <a:lstStyle/>
+          <a:p>
+            <a:pPr marL="0" indent="0">
+              <a:buNone/>
+            </a:pPr>
+            <a:r>
+              <a:rPr lang="en-GB" sz="2000" dirty="0">
+                <a:latin typeface="Nexa-Bold" panose="01000000000000000000" pitchFamily="2" charset="0"/>
+              </a:rPr>
+              <a:t>Requirements</a:t>
+            </a:r>
+          </a:p>
+          <a:p>
+            <a:pPr>
+              <a:lnSpc>
+                <a:spcPct val="150000"/>
+              </a:lnSpc>
+            </a:pPr>
+            <a:r>
+              <a:rPr lang="en-GB" sz="1400" dirty="0"/>
+              <a:t>Requirements of Session 1.</a:t>
+            </a:r>
+          </a:p>
+        </p:txBody>
+      </p:sp>
+      <p:sp>
+        <p:nvSpPr>
+          <p:cNvPr id="4" name="Title 3">
+            <a:extLst>
+              <a:ext uri="{FF2B5EF4-FFF2-40B4-BE49-F238E27FC236}">
+                <a16:creationId xmlns:a16="http://schemas.microsoft.com/office/drawing/2014/main" id="{73E924D9-F98A-A829-17A9-4F066F402F9D}"/>
+              </a:ext>
+            </a:extLst>
+          </p:cNvPr>
+          <p:cNvSpPr>
+            <a:spLocks noGrp="1"/>
+          </p:cNvSpPr>
+          <p:nvPr>
+            <p:ph type="title"/>
+          </p:nvPr>
+        </p:nvSpPr>
+        <p:spPr/>
+        <p:txBody>
+          <a:bodyPr/>
+          <a:lstStyle/>
+          <a:p>
+            <a:r>
+              <a:rPr lang="en-GB" dirty="0"/>
+              <a:t>Week 2: ROS Practicalities</a:t>
+            </a:r>
+          </a:p>
+        </p:txBody>
+      </p:sp>
+    </p:spTree>
+    <p:extLst>
+      <p:ext uri="{BB962C8B-B14F-4D97-AF65-F5344CB8AC3E}">
+        <p14:creationId xmlns:p14="http://schemas.microsoft.com/office/powerpoint/2010/main" val="1931461787"/>
+      </p:ext>
+    </p:extLst>
+  </p:cSld>
+  <p:clrMapOvr>
+    <a:masterClrMapping/>
+  </p:clrMapOvr>
+</p:sld>
+</file>
+
 <file path=ppt/slides/slide7.xml><?xml version="1.0" encoding="utf-8"?>
 <p:sld xmlns:a="http://schemas.openxmlformats.org/drawingml/2006/main" xmlns:r="http://schemas.openxmlformats.org/officeDocument/2006/relationships" xmlns:p="http://schemas.openxmlformats.org/presentationml/2006/main">
   <p:cSld>
@@ -17936,7 +17422,104 @@
               <a:rPr lang="en-GB" sz="2000" dirty="0">
                 <a:latin typeface="Nexa-Bold" panose="01000000000000000000" pitchFamily="2" charset="0"/>
               </a:rPr>
-              <a:t>Topics</a:t>
+              <a:t>Session 1:</a:t>
+            </a:r>
+          </a:p>
+          <a:p>
+            <a:r>
+              <a:rPr lang="en-GB" sz="1400" dirty="0">
+                <a:latin typeface="Nexa-ExtraLight" panose="01000000000000000000" pitchFamily="2" charset="0"/>
+              </a:rPr>
+              <a:t>Motor Control Theory</a:t>
+            </a:r>
+          </a:p>
+          <a:p>
+            <a:r>
+              <a:rPr lang="en-GB" sz="1400" dirty="0">
+                <a:latin typeface="Nexa-ExtraLight" panose="01000000000000000000" pitchFamily="2" charset="0"/>
+              </a:rPr>
+              <a:t>ROS Serial</a:t>
+            </a:r>
+          </a:p>
+          <a:p>
+            <a:r>
+              <a:rPr lang="en-GB" sz="1400" dirty="0">
+                <a:latin typeface="Nexa-ExtraLight" panose="01000000000000000000" pitchFamily="2" charset="0"/>
+              </a:rPr>
+              <a:t>Arduino</a:t>
+            </a:r>
+          </a:p>
+          <a:p>
+            <a:r>
+              <a:rPr lang="en-GB" sz="1400" dirty="0">
+                <a:latin typeface="Nexa-ExtraLight" panose="01000000000000000000" pitchFamily="2" charset="0"/>
+              </a:rPr>
+              <a:t>ROS Serial/Arduino Communication.</a:t>
+            </a:r>
+          </a:p>
+          <a:p>
+            <a:r>
+              <a:rPr lang="en-GB" sz="1400" dirty="0">
+                <a:latin typeface="Nexa-ExtraLight" panose="01000000000000000000" pitchFamily="2" charset="0"/>
+              </a:rPr>
+              <a:t>Mini Challenge: Motor Speed regulation using ROS.</a:t>
+            </a:r>
+          </a:p>
+          <a:p>
+            <a:pPr marL="0" indent="0">
+              <a:buNone/>
+            </a:pPr>
+            <a:r>
+              <a:rPr lang="en-GB" sz="2000" dirty="0">
+                <a:latin typeface="Nexa-Bold" panose="01000000000000000000" pitchFamily="2" charset="0"/>
+              </a:rPr>
+              <a:t>Session 2:</a:t>
+            </a:r>
+          </a:p>
+          <a:p>
+            <a:r>
+              <a:rPr lang="en-GB" sz="1400" dirty="0">
+                <a:latin typeface="Nexa-ExtraLight" panose="01000000000000000000" pitchFamily="2" charset="0"/>
+              </a:rPr>
+              <a:t>Q&amp;A Session.</a:t>
+            </a:r>
+            <a:endParaRPr lang="en-GB" sz="1050" dirty="0">
+              <a:latin typeface="Nexa-ExtraLight" panose="01000000000000000000" pitchFamily="2" charset="0"/>
+            </a:endParaRPr>
+          </a:p>
+        </p:txBody>
+      </p:sp>
+      <p:sp>
+        <p:nvSpPr>
+          <p:cNvPr id="3" name="Content Placeholder 2">
+            <a:extLst>
+              <a:ext uri="{FF2B5EF4-FFF2-40B4-BE49-F238E27FC236}">
+                <a16:creationId xmlns:a16="http://schemas.microsoft.com/office/drawing/2014/main" id="{3DB2C56E-0019-0A77-2FC7-35E4CB871995}"/>
+              </a:ext>
+            </a:extLst>
+          </p:cNvPr>
+          <p:cNvSpPr>
+            <a:spLocks noGrp="1"/>
+          </p:cNvSpPr>
+          <p:nvPr>
+            <p:ph sz="half" idx="2"/>
+          </p:nvPr>
+        </p:nvSpPr>
+        <p:spPr/>
+        <p:txBody>
+          <a:bodyPr>
+            <a:normAutofit/>
+          </a:bodyPr>
+          <a:lstStyle/>
+          <a:p>
+            <a:pPr marL="0" indent="0">
+              <a:buNone/>
+            </a:pPr>
+            <a:r>
+              <a:rPr lang="en-GB" sz="2000" dirty="0">
+                <a:latin typeface="Nexa-Bold" panose="01000000000000000000" pitchFamily="2" charset="0"/>
+              </a:rPr>
+              <a:t>Requirements</a:t>
             </a:r>
           </a:p>
           <a:p>
@@ -17947,7 +17530,7 @@
             </a:pPr>
             <a:r>
               <a:rPr lang="en-GB" sz="1400" dirty="0"/>
-              <a:t>ROS Visualisation Tools</a:t>
+              <a:t>Requirements of Session 1.</a:t>
             </a:r>
           </a:p>
           <a:p>
@@ -17957,8 +17540,16 @@
               </a:lnSpc>
             </a:pPr>
             <a:r>
-              <a:rPr lang="en-GB" sz="1400" dirty="0"/>
-              <a:t>Robot Modelling</a:t>
+              <a:rPr lang="en-US" sz="1400" dirty="0"/>
+              <a:t>Installation of the Arduino IDE and the </a:t>
+            </a:r>
+            <a:r>
+              <a:rPr lang="en-US" sz="1400" dirty="0" err="1"/>
+              <a:t>Rosserial</a:t>
+            </a:r>
+            <a:r>
+              <a:rPr lang="en-US" sz="1400" dirty="0"/>
+              <a:t> package in the VM or Ubuntu (See instructions on Session2 MCR2_Arduino_IDE_Confirguration),</a:t>
             </a:r>
           </a:p>
           <a:p>
@@ -17968,8 +17559,8 @@
               </a:lnSpc>
             </a:pPr>
             <a:r>
-              <a:rPr lang="en-GB" sz="1400" dirty="0"/>
-              <a:t>Activities</a:t>
+              <a:rPr lang="en-US" sz="1400" dirty="0"/>
+              <a:t> Access to Hackerboard and a MCR2 DC motor.</a:t>
             </a:r>
           </a:p>
           <a:p>
@@ -17979,71 +17570,17 @@
               </a:lnSpc>
             </a:pPr>
             <a:r>
-              <a:rPr lang="en-GB" sz="1400" dirty="0"/>
-              <a:t>Puzzlebot Gazebo Simulation</a:t>
-            </a:r>
-          </a:p>
-          <a:p>
-            <a:pPr>
-              <a:lnSpc>
-                <a:spcPct val="150000"/>
-              </a:lnSpc>
-            </a:pPr>
-            <a:r>
-              <a:rPr lang="en-GB" sz="1400" dirty="0"/>
-              <a:t>Challenge</a:t>
-            </a:r>
-          </a:p>
-        </p:txBody>
-      </p:sp>
-      <p:sp>
-        <p:nvSpPr>
-          <p:cNvPr id="3" name="Content Placeholder 2">
-            <a:extLst>
-              <a:ext uri="{FF2B5EF4-FFF2-40B4-BE49-F238E27FC236}">
-                <a16:creationId xmlns:a16="http://schemas.microsoft.com/office/drawing/2014/main" id="{3DB2C56E-0019-0A77-2FC7-35E4CB871995}"/>
-              </a:ext>
-            </a:extLst>
-          </p:cNvPr>
-          <p:cNvSpPr>
-            <a:spLocks noGrp="1"/>
-          </p:cNvSpPr>
-          <p:nvPr>
-            <p:ph sz="half" idx="2"/>
-          </p:nvPr>
-        </p:nvSpPr>
-        <p:spPr/>
-        <p:txBody>
-          <a:bodyPr>
-            <a:normAutofit/>
-          </a:bodyPr>
-          <a:lstStyle/>
-          <a:p>
-            <a:pPr marL="0" indent="0">
-              <a:buNone/>
-            </a:pPr>
-            <a:r>
-              <a:rPr lang="en-GB" sz="2000" dirty="0">
-                <a:latin typeface="Nexa-Bold" panose="01000000000000000000" pitchFamily="2" charset="0"/>
-              </a:rPr>
-              <a:t>Requirements</a:t>
-            </a:r>
-          </a:p>
-          <a:p>
-            <a:pPr>
-              <a:lnSpc>
-                <a:spcPct val="150000"/>
-              </a:lnSpc>
-            </a:pPr>
-            <a:r>
-              <a:rPr lang="en-GB" sz="1400" dirty="0"/>
-              <a:t>Requirements of Session 1.</a:t>
-            </a:r>
-          </a:p>
-          <a:p>
-            <a:pPr marL="0" indent="0">
-              <a:buNone/>
-            </a:pPr>
+              <a:rPr lang="en-US" sz="1400" dirty="0"/>
+              <a:t>In case you have no access to the </a:t>
+            </a:r>
+            <a:r>
+              <a:rPr lang="en-US" sz="1400" dirty="0" err="1"/>
+              <a:t>Hackeborad</a:t>
+            </a:r>
+            <a:r>
+              <a:rPr lang="en-US" sz="1400" dirty="0"/>
+              <a:t>, the hardware can be replaced for an Arduino Mega, a L298n Motor Driver and a DC motor brushed with encoder.</a:t>
+            </a:r>
             <a:endParaRPr lang="en-GB" dirty="0"/>
           </a:p>
         </p:txBody>
@@ -18071,7 +17608,7 @@
           <a:p>
             <a:r>
               <a:rPr lang="en-GB" dirty="0"/>
-              <a:t>Session 3</a:t>
+              <a:t>Week 3: ROS-Hardware Communication</a:t>
             </a:r>
           </a:p>
         </p:txBody>
@@ -18135,23 +17672,28 @@
           <a:lstStyle/>
           <a:p>
             <a:pPr marL="0" indent="0">
+              <a:lnSpc>
+                <a:spcPct val="100000"/>
+              </a:lnSpc>
               <a:buNone/>
             </a:pPr>
             <a:r>
-              <a:rPr lang="en-GB" sz="2000" dirty="0">
+              <a:rPr lang="en-US" sz="2000" kern="1200" dirty="0">
+                <a:solidFill>
+                  <a:schemeClr val="bg2">
+                    <a:lumMod val="50000"/>
+                  </a:schemeClr>
+                </a:solidFill>
                 <a:latin typeface="Nexa-Bold" panose="01000000000000000000" pitchFamily="2" charset="0"/>
               </a:rPr>
-              <a:t>Topics</a:t>
-            </a:r>
-          </a:p>
-          <a:p>
-            <a:pPr marL="60325" indent="0" algn="l" defTabSz="914400" rtl="0" eaLnBrk="1" fontAlgn="b" latinLnBrk="0" hangingPunct="1">
+              <a:t>Session 1:</a:t>
+            </a:r>
+          </a:p>
+          <a:p>
+            <a:pPr>
               <a:lnSpc>
-                <a:spcPct val="150000"/>
+                <a:spcPct val="100000"/>
               </a:lnSpc>
-              <a:tabLst>
-                <a:tab pos="457200" algn="l"/>
-              </a:tabLst>
             </a:pPr>
             <a:r>
               <a:rPr lang="en-US" sz="1400" kern="1200" dirty="0">
@@ -18164,17 +17706,14 @@
                 <a:ea typeface="+mn-ea"/>
                 <a:cs typeface="+mn-cs"/>
               </a:rPr>
-              <a:t>Introduction to the Puzzlebot and NVIDIA Jetson</a:t>
-            </a:r>
-          </a:p>
-          <a:p>
-            <a:pPr marL="60325" indent="0" algn="l" defTabSz="914400" rtl="0" eaLnBrk="1" fontAlgn="b" latinLnBrk="0" hangingPunct="1">
+              <a:t>Encoder Basic Theory</a:t>
+            </a:r>
+          </a:p>
+          <a:p>
+            <a:pPr>
               <a:lnSpc>
-                <a:spcPct val="150000"/>
+                <a:spcPct val="100000"/>
               </a:lnSpc>
-              <a:tabLst>
-                <a:tab pos="457200" algn="l"/>
-              </a:tabLst>
             </a:pPr>
             <a:r>
               <a:rPr lang="en-US" sz="1400" kern="1200" dirty="0">
@@ -18187,13 +17726,13 @@
                 <a:ea typeface="+mn-ea"/>
                 <a:cs typeface="+mn-cs"/>
               </a:rPr>
-              <a:t>OpenCV introduction and outline</a:t>
-            </a:r>
-          </a:p>
-          <a:p>
-            <a:pPr marL="0" algn="l" defTabSz="914400" rtl="0" eaLnBrk="1" latinLnBrk="0" hangingPunct="1">
+              <a:t>Mini Challenge: Acquire data from the encoders using Arduino.</a:t>
+            </a:r>
+          </a:p>
+          <a:p>
+            <a:pPr>
               <a:lnSpc>
-                <a:spcPct val="150000"/>
+                <a:spcPct val="100000"/>
               </a:lnSpc>
             </a:pPr>
             <a:r>
@@ -18207,13 +17746,32 @@
                 <a:ea typeface="+mn-ea"/>
                 <a:cs typeface="+mn-cs"/>
               </a:rPr>
-              <a:t>Interfacing with camera. Image pre and postprocessing</a:t>
-            </a:r>
-          </a:p>
-          <a:p>
-            <a:pPr marL="0" algn="l" defTabSz="914400" rtl="0" eaLnBrk="1" latinLnBrk="0" hangingPunct="1">
+              <a:t>Presentation of the Challenge: PID Controller using ROS and compare with simulation.</a:t>
+            </a:r>
+          </a:p>
+          <a:p>
+            <a:pPr marL="0" indent="0">
               <a:lnSpc>
-                <a:spcPct val="150000"/>
+                <a:spcPct val="100000"/>
+              </a:lnSpc>
+              <a:buNone/>
+            </a:pPr>
+            <a:r>
+              <a:rPr lang="en-US" sz="2000" kern="1200" dirty="0">
+                <a:solidFill>
+                  <a:schemeClr val="bg2">
+                    <a:lumMod val="50000"/>
+                  </a:schemeClr>
+                </a:solidFill>
+                <a:latin typeface="Nexa-Bold" panose="01000000000000000000" pitchFamily="2" charset="0"/>
+              </a:rPr>
+              <a:t>Session 2:</a:t>
+            </a:r>
+          </a:p>
+          <a:p>
+            <a:pPr>
+              <a:lnSpc>
+                <a:spcPct val="100000"/>
               </a:lnSpc>
             </a:pPr>
             <a:r>
@@ -18227,67 +17785,7 @@
                 <a:ea typeface="+mn-ea"/>
                 <a:cs typeface="+mn-cs"/>
               </a:rPr>
-              <a:t>Guided activity</a:t>
-            </a:r>
-          </a:p>
-          <a:p>
-            <a:pPr marL="0" algn="l" defTabSz="914400" rtl="0" eaLnBrk="1" latinLnBrk="0" hangingPunct="1">
-              <a:lnSpc>
-                <a:spcPct val="150000"/>
-              </a:lnSpc>
-            </a:pPr>
-            <a:r>
-              <a:rPr lang="en-US" sz="1400" kern="1200" dirty="0">
-                <a:solidFill>
-                  <a:schemeClr val="bg2">
-                    <a:lumMod val="50000"/>
-                  </a:schemeClr>
-                </a:solidFill>
-                <a:latin typeface="Nexa-Light" panose="01000000000000000000" pitchFamily="2" charset="0"/>
-                <a:ea typeface="+mn-ea"/>
-                <a:cs typeface="+mn-cs"/>
-              </a:rPr>
-              <a:t>Image identification and recognition</a:t>
-            </a:r>
-          </a:p>
-          <a:p>
-            <a:pPr marL="0" algn="l" defTabSz="914400" rtl="0" eaLnBrk="1" latinLnBrk="0" hangingPunct="1">
-              <a:lnSpc>
-                <a:spcPct val="150000"/>
-              </a:lnSpc>
-            </a:pPr>
-            <a:r>
-              <a:rPr lang="en-US" sz="1400" kern="1200" dirty="0">
-                <a:solidFill>
-                  <a:schemeClr val="bg2">
-                    <a:lumMod val="50000"/>
-                  </a:schemeClr>
-                </a:solidFill>
-                <a:latin typeface="Nexa-Light" panose="01000000000000000000" pitchFamily="2" charset="0"/>
-                <a:ea typeface="+mn-ea"/>
-                <a:cs typeface="+mn-cs"/>
-              </a:rPr>
-              <a:t>Guided activity</a:t>
-            </a:r>
-          </a:p>
-          <a:p>
-            <a:pPr marL="0" algn="l" defTabSz="914400" rtl="0" eaLnBrk="1" latinLnBrk="0" hangingPunct="1">
-              <a:lnSpc>
-                <a:spcPct val="150000"/>
-              </a:lnSpc>
-            </a:pPr>
-            <a:r>
-              <a:rPr lang="en-US" sz="1400" kern="1200" dirty="0">
-                <a:solidFill>
-                  <a:schemeClr val="bg2">
-                    <a:lumMod val="50000"/>
-                  </a:schemeClr>
-                </a:solidFill>
-                <a:latin typeface="Nexa-Light" panose="01000000000000000000" pitchFamily="2" charset="0"/>
-                <a:ea typeface="+mn-ea"/>
-                <a:cs typeface="+mn-cs"/>
-              </a:rPr>
-              <a:t>Challenge</a:t>
+              <a:t>Q&amp;A Session.</a:t>
             </a:r>
           </a:p>
         </p:txBody>
@@ -18316,7 +17814,7 @@
         </p:spPr>
         <p:txBody>
           <a:bodyPr>
-            <a:normAutofit fontScale="40000" lnSpcReduction="20000"/>
+            <a:normAutofit/>
           </a:bodyPr>
           <a:lstStyle/>
           <a:p>
@@ -18324,7 +17822,7 @@
               <a:buNone/>
             </a:pPr>
             <a:r>
-              <a:rPr lang="en-GB" sz="4200" dirty="0">
+              <a:rPr lang="en-GB" sz="2000" dirty="0">
                 <a:latin typeface="Nexa-Bold" panose="01000000000000000000" pitchFamily="2" charset="0"/>
               </a:rPr>
               <a:t>Requirements</a:t>
@@ -18337,8 +17835,10 @@
               </a:lnSpc>
             </a:pPr>
             <a:r>
-              <a:rPr lang="en-US" sz="2900" dirty="0"/>
-              <a:t>Session 1 Requirements</a:t>
+              <a:rPr lang="en-US" sz="1400" dirty="0">
+                <a:latin typeface="Nexa-ExtraLight" panose="01000000000000000000" pitchFamily="2" charset="0"/>
+              </a:rPr>
+              <a:t>Session 1 Requirements.</a:t>
             </a:r>
           </a:p>
           <a:p>
@@ -18348,157 +17848,11 @@
               </a:lnSpc>
             </a:pPr>
             <a:r>
-              <a:rPr lang="en-US" sz="2900" dirty="0"/>
-              <a:t>Print the markers located on GitHub</a:t>
-            </a:r>
-          </a:p>
-          <a:p>
-            <a:pPr>
-              <a:lnSpc>
-                <a:spcPct val="150000"/>
-              </a:lnSpc>
-            </a:pPr>
-            <a:r>
-              <a:rPr lang="en-US" sz="2900" dirty="0"/>
-              <a:t>Camera (webcam or external camera)</a:t>
-            </a:r>
-          </a:p>
-          <a:p>
-            <a:pPr>
-              <a:lnSpc>
-                <a:spcPct val="150000"/>
-              </a:lnSpc>
-            </a:pPr>
-            <a:r>
-              <a:rPr lang="en-US" sz="2900" dirty="0"/>
-              <a:t>Check that OpenCV is installed, open a terminal and type:</a:t>
-            </a:r>
-          </a:p>
-          <a:p>
-            <a:pPr marL="0" indent="0">
-              <a:lnSpc>
-                <a:spcPct val="150000"/>
-              </a:lnSpc>
-              <a:buNone/>
-            </a:pPr>
-            <a:r>
-              <a:rPr lang="en-US" sz="2900" dirty="0"/>
-              <a:t>	python –c “import cv2; print(cv2.__version__)”</a:t>
-            </a:r>
-          </a:p>
-          <a:p>
-            <a:pPr>
-              <a:lnSpc>
-                <a:spcPct val="150000"/>
-              </a:lnSpc>
-            </a:pPr>
-            <a:r>
-              <a:rPr lang="en-US" sz="2900" dirty="0"/>
-              <a:t>If the command returns a version #, that means OpenCV is installed</a:t>
-            </a:r>
-          </a:p>
-          <a:p>
-            <a:pPr>
-              <a:lnSpc>
-                <a:spcPct val="150000"/>
-              </a:lnSpc>
-            </a:pPr>
-            <a:r>
-              <a:rPr lang="en-US" sz="2900" dirty="0"/>
-              <a:t>If not, then run the following commands in terminal:</a:t>
-            </a:r>
-          </a:p>
-          <a:p>
-            <a:pPr marL="0" indent="0">
-              <a:lnSpc>
-                <a:spcPct val="150000"/>
-              </a:lnSpc>
-              <a:buNone/>
-            </a:pPr>
-            <a:r>
-              <a:rPr lang="en-US" sz="2900" dirty="0"/>
-              <a:t>	</a:t>
-            </a:r>
-            <a:r>
-              <a:rPr lang="en-US" sz="2900" dirty="0" err="1"/>
-              <a:t>sudo</a:t>
-            </a:r>
-            <a:r>
-              <a:rPr lang="en-US" sz="2900" dirty="0"/>
-              <a:t> apt update</a:t>
-            </a:r>
-          </a:p>
-          <a:p>
-            <a:pPr marL="0" indent="0">
-              <a:lnSpc>
-                <a:spcPct val="150000"/>
-              </a:lnSpc>
-              <a:buNone/>
-            </a:pPr>
-            <a:r>
-              <a:rPr lang="en-US" sz="2900" dirty="0"/>
-              <a:t>	</a:t>
-            </a:r>
-            <a:r>
-              <a:rPr lang="en-US" sz="2900" dirty="0" err="1"/>
-              <a:t>sudo</a:t>
-            </a:r>
-            <a:r>
-              <a:rPr lang="en-US" sz="2900" dirty="0"/>
-              <a:t> apt install python-</a:t>
-            </a:r>
-            <a:r>
-              <a:rPr lang="en-US" sz="2900" dirty="0" err="1"/>
-              <a:t>opencv</a:t>
-            </a:r>
-            <a:endParaRPr lang="en-US" sz="2900" dirty="0"/>
-          </a:p>
-          <a:p>
-            <a:pPr>
-              <a:lnSpc>
-                <a:spcPct val="150000"/>
-              </a:lnSpc>
-            </a:pPr>
-            <a:r>
-              <a:rPr lang="en-US" sz="2900" dirty="0"/>
-              <a:t>Finally, install the ROS package that is used to interface with OpenCV:</a:t>
-            </a:r>
-          </a:p>
-          <a:p>
-            <a:pPr marL="0" indent="0">
-              <a:lnSpc>
-                <a:spcPct val="150000"/>
-              </a:lnSpc>
-              <a:buNone/>
-            </a:pPr>
-            <a:r>
-              <a:rPr lang="en-US" sz="2900" dirty="0"/>
-              <a:t>	</a:t>
-            </a:r>
-            <a:r>
-              <a:rPr lang="en-US" sz="2900" dirty="0" err="1"/>
-              <a:t>sudo</a:t>
-            </a:r>
-            <a:r>
-              <a:rPr lang="en-US" sz="2900" dirty="0"/>
-              <a:t> apt install </a:t>
-            </a:r>
-            <a:r>
-              <a:rPr lang="en-US" sz="2900" dirty="0" err="1"/>
-              <a:t>ros</a:t>
-            </a:r>
-            <a:r>
-              <a:rPr lang="en-US" sz="2900" dirty="0"/>
-              <a:t>-melodic-cv-bridge</a:t>
-            </a:r>
-          </a:p>
-          <a:p>
-            <a:pPr>
-              <a:lnSpc>
-                <a:spcPct val="150000"/>
-              </a:lnSpc>
-            </a:pPr>
-            <a:endParaRPr lang="en-GB" dirty="0"/>
+              <a:rPr lang="en-US" sz="1400" dirty="0">
+                <a:latin typeface="Nexa-ExtraLight" panose="01000000000000000000" pitchFamily="2" charset="0"/>
+              </a:rPr>
+              <a:t>Session 3 Requirements.</a:t>
+            </a:r>
           </a:p>
         </p:txBody>
       </p:sp>
@@ -18525,7 +17879,7 @@
           <a:p>
             <a:r>
               <a:rPr lang="en-GB" dirty="0"/>
-              <a:t>Session 4</a:t>
+              <a:t>Week 4: ROS Data Acquisition</a:t>
             </a:r>
           </a:p>
         </p:txBody>
@@ -18578,370 +17932,151 @@
         </p:nvSpPr>
         <p:spPr>
           <a:xfrm>
-            <a:off x="255578" y="1446302"/>
-            <a:ext cx="5764222" cy="5369101"/>
+            <a:off x="757989" y="1859366"/>
+            <a:ext cx="4668253" cy="3939856"/>
           </a:xfrm>
         </p:spPr>
         <p:txBody>
           <a:bodyPr>
-            <a:normAutofit fontScale="85000" lnSpcReduction="20000"/>
+            <a:normAutofit/>
           </a:bodyPr>
           <a:lstStyle/>
           <a:p>
             <a:pPr marL="0" indent="0">
+              <a:lnSpc>
+                <a:spcPct val="100000"/>
+              </a:lnSpc>
               <a:buNone/>
             </a:pPr>
             <a:r>
-              <a:rPr lang="en-GB" dirty="0">
+              <a:rPr lang="en-US" sz="2000" dirty="0">
                 <a:latin typeface="Nexa-Bold" panose="01000000000000000000" pitchFamily="2" charset="0"/>
               </a:rPr>
-              <a:t>Topics</a:t>
+              <a:t>Session 1:</a:t>
+            </a:r>
+          </a:p>
+          <a:p>
+            <a:pPr algn="l">
+              <a:lnSpc>
+                <a:spcPct val="100000"/>
+              </a:lnSpc>
+              <a:buFont typeface="Arial" panose="020B0604020202020204" pitchFamily="34" charset="0"/>
+              <a:buChar char="•"/>
+            </a:pPr>
+            <a:r>
+              <a:rPr lang="en-US" sz="1400" b="0" i="0" dirty="0">
+                <a:solidFill>
+                  <a:srgbClr val="24292F"/>
+                </a:solidFill>
+                <a:effectLst/>
+                <a:latin typeface="Nexa-ExtraLight" panose="01000000000000000000" pitchFamily="2" charset="0"/>
+              </a:rPr>
+              <a:t>Q&amp;A Session.</a:t>
+            </a:r>
+          </a:p>
+          <a:p>
+            <a:pPr marL="0" indent="0">
+              <a:lnSpc>
+                <a:spcPct val="100000"/>
+              </a:lnSpc>
+              <a:buNone/>
+            </a:pPr>
+            <a:r>
+              <a:rPr lang="en-US" sz="2000" dirty="0">
+                <a:latin typeface="Nexa-Bold" panose="01000000000000000000" pitchFamily="2" charset="0"/>
+              </a:rPr>
+              <a:t>Session 2:</a:t>
+            </a:r>
+          </a:p>
+          <a:p>
+            <a:pPr algn="l">
+              <a:lnSpc>
+                <a:spcPct val="100000"/>
+              </a:lnSpc>
+              <a:buFont typeface="Arial" panose="020B0604020202020204" pitchFamily="34" charset="0"/>
+              <a:buChar char="•"/>
+            </a:pPr>
+            <a:r>
+              <a:rPr lang="en-US" sz="1400" b="0" i="0" dirty="0">
+                <a:solidFill>
+                  <a:srgbClr val="24292F"/>
+                </a:solidFill>
+                <a:effectLst/>
+                <a:latin typeface="Nexa-ExtraLight" panose="01000000000000000000" pitchFamily="2" charset="0"/>
+              </a:rPr>
+              <a:t>Final Challenge Presentation.</a:t>
+            </a:r>
+          </a:p>
+          <a:p>
+            <a:pPr marL="0" indent="0">
+              <a:buNone/>
+            </a:pPr>
+            <a:endParaRPr lang="en-GB" dirty="0">
+              <a:latin typeface="Nexa-Bold" panose="01000000000000000000" pitchFamily="2" charset="0"/>
+            </a:endParaRPr>
+          </a:p>
+        </p:txBody>
+      </p:sp>
+      <p:sp>
+        <p:nvSpPr>
+          <p:cNvPr id="3" name="Content Placeholder 2">
+            <a:extLst>
+              <a:ext uri="{FF2B5EF4-FFF2-40B4-BE49-F238E27FC236}">
+                <a16:creationId xmlns:a16="http://schemas.microsoft.com/office/drawing/2014/main" id="{3DB2C56E-0019-0A77-2FC7-35E4CB871995}"/>
+              </a:ext>
+            </a:extLst>
+          </p:cNvPr>
+          <p:cNvSpPr>
+            <a:spLocks noGrp="1"/>
+          </p:cNvSpPr>
+          <p:nvPr>
+            <p:ph sz="half" idx="2"/>
+          </p:nvPr>
+        </p:nvSpPr>
+        <p:spPr>
+          <a:xfrm>
+            <a:off x="6172199" y="1446302"/>
+            <a:ext cx="5680923" cy="5290959"/>
+          </a:xfrm>
+        </p:spPr>
+        <p:txBody>
+          <a:bodyPr>
+            <a:normAutofit/>
+          </a:bodyPr>
+          <a:lstStyle/>
+          <a:p>
+            <a:pPr marL="0" indent="0">
+              <a:buNone/>
+            </a:pPr>
+            <a:r>
+              <a:rPr lang="en-GB" sz="2000" dirty="0">
+                <a:latin typeface="Nexa-Bold" panose="01000000000000000000" pitchFamily="2" charset="0"/>
+              </a:rPr>
+              <a:t>Requirements</a:t>
             </a:r>
           </a:p>
           <a:p>
             <a:pPr>
               <a:lnSpc>
-                <a:spcPct val="170000"/>
+                <a:spcPct val="150000"/>
               </a:lnSpc>
             </a:pPr>
             <a:r>
-              <a:rPr lang="en-GB" sz="1600" dirty="0"/>
-              <a:t>Introduction to neural networks </a:t>
-            </a:r>
-            <a:endParaRPr lang="en-US" sz="1600" dirty="0"/>
-          </a:p>
-          <a:p>
-            <a:pPr marL="742950" lvl="1" indent="-285750">
-              <a:lnSpc>
-                <a:spcPct val="170000"/>
-              </a:lnSpc>
-              <a:buFont typeface="Courier New" panose="02070309020205020404" pitchFamily="49" charset="0"/>
-              <a:buChar char="o"/>
-            </a:pPr>
-            <a:r>
-              <a:rPr lang="en-GB" sz="1600" dirty="0"/>
-              <a:t>What is a neural network?</a:t>
-            </a:r>
-            <a:endParaRPr lang="en-US" sz="1600" dirty="0"/>
-          </a:p>
-          <a:p>
-            <a:pPr marL="742950" lvl="1" indent="-285750">
-              <a:lnSpc>
-                <a:spcPct val="170000"/>
-              </a:lnSpc>
-              <a:buFont typeface="Courier New" panose="02070309020205020404" pitchFamily="49" charset="0"/>
-              <a:buChar char="o"/>
-            </a:pPr>
-            <a:r>
-              <a:rPr lang="en-GB" sz="1600" dirty="0"/>
-              <a:t>What is a neuron</a:t>
-            </a:r>
-            <a:endParaRPr lang="en-US" sz="1600" dirty="0"/>
-          </a:p>
-          <a:p>
-            <a:pPr marL="742950" lvl="1" indent="-285750">
-              <a:lnSpc>
-                <a:spcPct val="170000"/>
-              </a:lnSpc>
-              <a:buFont typeface="Courier New" panose="02070309020205020404" pitchFamily="49" charset="0"/>
-              <a:buChar char="o"/>
-            </a:pPr>
-            <a:r>
-              <a:rPr lang="en-GB" sz="1600" dirty="0"/>
-              <a:t>Designing a simple convolutional neural network for image classification </a:t>
-            </a:r>
-            <a:endParaRPr lang="en-US" sz="1600" dirty="0"/>
-          </a:p>
-          <a:p>
-            <a:pPr marL="742950" lvl="1" indent="-285750">
-              <a:lnSpc>
-                <a:spcPct val="170000"/>
-              </a:lnSpc>
-              <a:buFont typeface="Courier New" panose="02070309020205020404" pitchFamily="49" charset="0"/>
-              <a:buChar char="o"/>
-            </a:pPr>
-            <a:r>
-              <a:rPr lang="en-GB" sz="1600" dirty="0"/>
-              <a:t>A brief walkthrough of google collab and the training code </a:t>
-            </a:r>
-            <a:endParaRPr lang="en-US" sz="1600" dirty="0"/>
-          </a:p>
-          <a:p>
-            <a:pPr marL="742950" lvl="1" indent="-285750">
-              <a:lnSpc>
-                <a:spcPct val="170000"/>
-              </a:lnSpc>
-              <a:buFont typeface="Courier New" panose="02070309020205020404" pitchFamily="49" charset="0"/>
-              <a:buChar char="o"/>
-            </a:pPr>
-            <a:r>
-              <a:rPr lang="en-GB" sz="1600" dirty="0"/>
-              <a:t>A brief explanation of the dataset </a:t>
-            </a:r>
-            <a:endParaRPr lang="en-US" sz="1600" dirty="0"/>
-          </a:p>
-          <a:p>
-            <a:pPr marL="742950" lvl="1" indent="-285750">
-              <a:lnSpc>
-                <a:spcPct val="170000"/>
-              </a:lnSpc>
-              <a:buFont typeface="Courier New" panose="02070309020205020404" pitchFamily="49" charset="0"/>
-              <a:buChar char="o"/>
-            </a:pPr>
-            <a:r>
-              <a:rPr lang="en-GB" sz="1600" dirty="0"/>
-              <a:t>Activity 1: Deploy a CNN into a ROS to perform image classification </a:t>
+              <a:rPr lang="en-US" sz="1400" dirty="0"/>
+              <a:t>Session 1 Requirements.</a:t>
             </a:r>
           </a:p>
           <a:p>
             <a:pPr>
               <a:lnSpc>
-                <a:spcPct val="170000"/>
+                <a:spcPct val="150000"/>
               </a:lnSpc>
             </a:pPr>
             <a:r>
-              <a:rPr lang="en-GB" sz="1600" dirty="0"/>
-              <a:t>Traffic sign detection vs Traffic sign classification</a:t>
-            </a:r>
-            <a:endParaRPr lang="en-US" sz="1600" dirty="0"/>
-          </a:p>
-          <a:p>
-            <a:pPr marL="742950" lvl="1" indent="-285750">
-              <a:lnSpc>
-                <a:spcPct val="170000"/>
-              </a:lnSpc>
-              <a:buFont typeface="Courier New" panose="02070309020205020404" pitchFamily="49" charset="0"/>
-              <a:buChar char="o"/>
-            </a:pPr>
-            <a:r>
-              <a:rPr lang="en-GB" sz="1600" dirty="0"/>
-              <a:t>Jetson Inference: Of-the-shelf solutions for AI in ROS</a:t>
-            </a:r>
-            <a:endParaRPr lang="en-US" sz="1600" dirty="0"/>
-          </a:p>
-          <a:p>
-            <a:pPr marL="742950" lvl="1" indent="-285750">
-              <a:lnSpc>
-                <a:spcPct val="170000"/>
-              </a:lnSpc>
-              <a:buFont typeface="Courier New" panose="02070309020205020404" pitchFamily="49" charset="0"/>
-              <a:buChar char="o"/>
-            </a:pPr>
-            <a:r>
-              <a:rPr lang="en-GB" sz="1600" dirty="0"/>
-              <a:t>A brief overview of the contents inside jetson-inference</a:t>
-            </a:r>
-            <a:endParaRPr lang="en-US" sz="1600" dirty="0"/>
-          </a:p>
-          <a:p>
-            <a:pPr marL="742950" lvl="1" indent="-285750">
-              <a:lnSpc>
-                <a:spcPct val="170000"/>
-              </a:lnSpc>
-              <a:buFont typeface="Courier New" panose="02070309020205020404" pitchFamily="49" charset="0"/>
-              <a:buChar char="o"/>
-            </a:pPr>
-            <a:endParaRPr lang="en-US" sz="1400" dirty="0"/>
-          </a:p>
-        </p:txBody>
-      </p:sp>
-      <p:sp>
-        <p:nvSpPr>
-          <p:cNvPr id="3" name="Content Placeholder 2">
-            <a:extLst>
-              <a:ext uri="{FF2B5EF4-FFF2-40B4-BE49-F238E27FC236}">
-                <a16:creationId xmlns:a16="http://schemas.microsoft.com/office/drawing/2014/main" id="{3DB2C56E-0019-0A77-2FC7-35E4CB871995}"/>
-              </a:ext>
-            </a:extLst>
-          </p:cNvPr>
-          <p:cNvSpPr>
-            <a:spLocks noGrp="1"/>
-          </p:cNvSpPr>
-          <p:nvPr>
-            <p:ph sz="half" idx="2"/>
-          </p:nvPr>
-        </p:nvSpPr>
-        <p:spPr>
-          <a:xfrm>
-            <a:off x="6172199" y="1446302"/>
-            <a:ext cx="5680923" cy="5290959"/>
-          </a:xfrm>
-        </p:spPr>
-        <p:txBody>
-          <a:bodyPr>
-            <a:normAutofit fontScale="40000" lnSpcReduction="20000"/>
-          </a:bodyPr>
-          <a:lstStyle/>
-          <a:p>
-            <a:pPr marL="742950" lvl="1" indent="-285750">
-              <a:lnSpc>
-                <a:spcPct val="170000"/>
-              </a:lnSpc>
-              <a:buFont typeface="Courier New" panose="02070309020205020404" pitchFamily="49" charset="0"/>
-              <a:buChar char="o"/>
-            </a:pPr>
-            <a:r>
-              <a:rPr lang="en-GB" sz="3500" dirty="0"/>
-              <a:t>Activity 2: Test one of the prebuild AI solutions in the jetson Nano and implement it In a ROS node</a:t>
-            </a:r>
-            <a:endParaRPr lang="en-US" sz="3500" dirty="0"/>
-          </a:p>
-          <a:p>
-            <a:pPr marL="742950" lvl="1" indent="-285750">
-              <a:lnSpc>
-                <a:spcPct val="170000"/>
-              </a:lnSpc>
-              <a:buFont typeface="Courier New" panose="02070309020205020404" pitchFamily="49" charset="0"/>
-              <a:buChar char="o"/>
-            </a:pPr>
-            <a:r>
-              <a:rPr lang="en-GB" sz="3500" dirty="0"/>
-              <a:t>Region proposal networks: YOLOv5</a:t>
-            </a:r>
-            <a:endParaRPr lang="en-US" sz="3500" dirty="0"/>
-          </a:p>
-          <a:p>
-            <a:pPr marL="742950" lvl="1" indent="-285750">
-              <a:lnSpc>
-                <a:spcPct val="170000"/>
-              </a:lnSpc>
-              <a:buFont typeface="Courier New" panose="02070309020205020404" pitchFamily="49" charset="0"/>
-              <a:buChar char="o"/>
-            </a:pPr>
-            <a:r>
-              <a:rPr lang="en-GB" sz="3500" dirty="0"/>
-              <a:t>Transfer learning </a:t>
-            </a:r>
-            <a:endParaRPr lang="en-US" sz="3500" dirty="0"/>
-          </a:p>
-          <a:p>
-            <a:pPr marL="742950" lvl="1" indent="-285750">
-              <a:lnSpc>
-                <a:spcPct val="170000"/>
-              </a:lnSpc>
-              <a:buFont typeface="Courier New" panose="02070309020205020404" pitchFamily="49" charset="0"/>
-              <a:buChar char="o"/>
-            </a:pPr>
-            <a:r>
-              <a:rPr lang="en-GB" sz="3500" dirty="0"/>
-              <a:t>Overview of a </a:t>
-            </a:r>
-            <a:r>
-              <a:rPr lang="en-GB" sz="3500" dirty="0" err="1"/>
-              <a:t>Yolo</a:t>
-            </a:r>
-            <a:r>
-              <a:rPr lang="en-GB" sz="3500" dirty="0"/>
-              <a:t> annotated Dataset </a:t>
-            </a:r>
-            <a:endParaRPr lang="en-US" sz="3500" dirty="0"/>
-          </a:p>
-          <a:p>
-            <a:pPr marL="742950" lvl="1" indent="-285750">
-              <a:lnSpc>
-                <a:spcPct val="170000"/>
-              </a:lnSpc>
-              <a:buFont typeface="Courier New" panose="02070309020205020404" pitchFamily="49" charset="0"/>
-              <a:buChar char="o"/>
-            </a:pPr>
-            <a:r>
-              <a:rPr lang="en-GB" sz="3500" dirty="0"/>
-              <a:t>Activity 3: Deploy the sign detection model in ROS</a:t>
-            </a:r>
-          </a:p>
-          <a:p>
-            <a:pPr>
-              <a:lnSpc>
-                <a:spcPct val="170000"/>
-              </a:lnSpc>
-            </a:pPr>
-            <a:r>
-              <a:rPr lang="en-GB" sz="3500" dirty="0"/>
-              <a:t>AI in edge devices, model optimisation for jetson Nano</a:t>
-            </a:r>
-            <a:endParaRPr lang="en-US" sz="3500" dirty="0"/>
-          </a:p>
-          <a:p>
-            <a:pPr marL="742950" lvl="1" indent="-285750">
-              <a:lnSpc>
-                <a:spcPct val="170000"/>
-              </a:lnSpc>
-              <a:buFont typeface="Courier New" panose="02070309020205020404" pitchFamily="49" charset="0"/>
-              <a:buChar char="o"/>
-            </a:pPr>
-            <a:r>
-              <a:rPr lang="en-GB" sz="3500" dirty="0"/>
-              <a:t>Design pipeline </a:t>
-            </a:r>
-            <a:endParaRPr lang="en-US" sz="3500" dirty="0"/>
-          </a:p>
-          <a:p>
-            <a:pPr marL="742950" lvl="1" indent="-285750">
-              <a:lnSpc>
-                <a:spcPct val="170000"/>
-              </a:lnSpc>
-              <a:buFont typeface="Courier New" panose="02070309020205020404" pitchFamily="49" charset="0"/>
-              <a:buChar char="o"/>
-            </a:pPr>
-            <a:r>
-              <a:rPr lang="en-GB" sz="3500" dirty="0" err="1"/>
-              <a:t>TensorRT</a:t>
-            </a:r>
-            <a:r>
-              <a:rPr lang="en-GB" sz="3500" dirty="0"/>
-              <a:t> and </a:t>
-            </a:r>
-            <a:r>
-              <a:rPr lang="en-GB" sz="3500" dirty="0" err="1"/>
-              <a:t>hadware</a:t>
-            </a:r>
-            <a:r>
-              <a:rPr lang="en-GB" sz="3500" dirty="0"/>
-              <a:t> acceleration </a:t>
-            </a:r>
-            <a:endParaRPr lang="en-US" sz="3500" dirty="0"/>
-          </a:p>
-          <a:p>
-            <a:pPr marL="742950" lvl="1" indent="-285750">
-              <a:lnSpc>
-                <a:spcPct val="170000"/>
-              </a:lnSpc>
-              <a:buFont typeface="Courier New" panose="02070309020205020404" pitchFamily="49" charset="0"/>
-              <a:buChar char="o"/>
-            </a:pPr>
-            <a:r>
-              <a:rPr lang="en-GB" sz="3500" dirty="0"/>
-              <a:t>TF vs ONNX vs </a:t>
-            </a:r>
-            <a:r>
-              <a:rPr lang="en-GB" sz="3500" dirty="0" err="1"/>
-              <a:t>TensorRT</a:t>
-            </a:r>
-            <a:r>
-              <a:rPr lang="en-GB" sz="3500" dirty="0"/>
-              <a:t> </a:t>
-            </a:r>
-            <a:endParaRPr lang="en-US" sz="3500" dirty="0"/>
-          </a:p>
-          <a:p>
-            <a:pPr marL="742950" lvl="1" indent="-285750">
-              <a:lnSpc>
-                <a:spcPct val="170000"/>
-              </a:lnSpc>
-              <a:buFont typeface="Courier New" panose="02070309020205020404" pitchFamily="49" charset="0"/>
-              <a:buChar char="o"/>
-            </a:pPr>
-            <a:r>
-              <a:rPr lang="en-GB" sz="3500" dirty="0"/>
-              <a:t>Challenge: Reactive navigation with traffic sign detection with Tensor RT </a:t>
-            </a:r>
-            <a:endParaRPr lang="en-US" sz="3500" dirty="0"/>
-          </a:p>
-          <a:p>
-            <a:pPr marL="0" indent="0">
-              <a:buNone/>
-            </a:pPr>
-            <a:endParaRPr lang="en-GB" sz="2000" dirty="0">
+              <a:rPr lang="en-US" sz="1400" dirty="0"/>
+              <a:t>Session 3 Requirements</a:t>
+            </a:r>
+            <a:endParaRPr lang="en-GB" sz="1400" dirty="0">
               <a:latin typeface="Nexa-Bold" panose="01000000000000000000" pitchFamily="2" charset="0"/>
             </a:endParaRPr>
           </a:p>
@@ -18970,7 +18105,7 @@
           <a:p>
             <a:r>
               <a:rPr lang="en-GB" dirty="0"/>
-              <a:t>Session 5</a:t>
+              <a:t>Week 5: Final Challenge</a:t>
             </a:r>
           </a:p>
         </p:txBody>
